--- a/Presentation.pptx
+++ b/Presentation.pptx
@@ -21,6 +21,11 @@
     <p:sldId id="274" r:id="rId15"/>
     <p:sldId id="275" r:id="rId16"/>
     <p:sldId id="276" r:id="rId17"/>
+    <p:sldId id="285" r:id="rId18"/>
+    <p:sldId id="284" r:id="rId19"/>
+    <p:sldId id="283" r:id="rId20"/>
+    <p:sldId id="281" r:id="rId21"/>
+    <p:sldId id="282" r:id="rId22"/>
   </p:sldIdLst>
   <p:sldSz cx="12192000" cy="6858000"/>
   <p:notesSz cx="6858000" cy="9144000"/>
@@ -119,6 +124,11 @@
       </a:defRPr>
     </a:lvl9pPr>
   </p:defaultTextStyle>
+  <p:extLst>
+    <p:ext uri="{EFAFB233-063F-42B5-8137-9DF3F51BA10A}">
+      <p15:sldGuideLst xmlns:p15="http://schemas.microsoft.com/office/powerpoint/2012/main"/>
+    </p:ext>
+  </p:extLst>
 </p:presentation>
 </file>
 
@@ -3875,7 +3885,7 @@
         <p:spPr>
           <a:xfrm>
             <a:off x="1653363" y="2176272"/>
-            <a:ext cx="9367204" cy="2477921"/>
+            <a:ext cx="9367204" cy="3073822"/>
           </a:xfrm>
         </p:spPr>
         <p:txBody>
@@ -3884,8 +3894,9 @@
           </a:bodyPr>
           <a:lstStyle/>
           <a:p>
-            <a:pPr marL="0" indent="0">
-              <a:buNone/>
+            <a:pPr marL="457200" indent="-457200">
+              <a:buFont typeface="+mj-lt"/>
+              <a:buAutoNum type="arabicPeriod"/>
             </a:pPr>
             <a:r>
               <a:rPr lang="en-US" sz="2400" dirty="0"/>
@@ -3901,29 +3912,41 @@
             </a:r>
           </a:p>
           <a:p>
+            <a:pPr lvl="1"/>
             <a:r>
-              <a:rPr lang="en-US" sz="2400" dirty="0"/>
+              <a:rPr lang="en-US" sz="2000" dirty="0"/>
               <a:t>First instance consists of </a:t>
             </a:r>
             <a:r>
-              <a:rPr lang="en-US" sz="2400" dirty="0" err="1"/>
+              <a:rPr lang="en-US" sz="2000" dirty="0" err="1"/>
               <a:t>MediaWiki</a:t>
             </a:r>
             <a:r>
-              <a:rPr lang="en-US" sz="2400" dirty="0"/>
+              <a:rPr lang="en-US" sz="2000" dirty="0"/>
               <a:t>, which is a PHP based frontend solution.</a:t>
             </a:r>
           </a:p>
           <a:p>
+            <a:pPr lvl="1"/>
             <a:r>
-              <a:rPr lang="en-US" sz="2400" dirty="0"/>
+              <a:rPr lang="en-US" sz="2000" dirty="0"/>
               <a:t>Second instance consists of MariaDB, which stores the content submitted by </a:t>
             </a:r>
             <a:r>
-              <a:rPr lang="en-US" sz="2400" dirty="0" err="1"/>
+              <a:rPr lang="en-US" sz="2000" dirty="0" err="1"/>
               <a:t>MediaWiki</a:t>
             </a:r>
-            <a:endParaRPr lang="en-US" sz="2400" dirty="0"/>
+            <a:endParaRPr lang="en-US" sz="2000" dirty="0"/>
+          </a:p>
+          <a:p>
+            <a:pPr marL="457200" indent="-457200">
+              <a:buFont typeface="+mj-lt"/>
+              <a:buAutoNum type="arabicPeriod"/>
+            </a:pPr>
+            <a:r>
+              <a:rPr lang="en-US" sz="2400" dirty="0"/>
+              <a:t>Creating it in a way so that it supports CI/CD pipeline.</a:t>
+            </a:r>
           </a:p>
           <a:p>
             <a:endParaRPr lang="en-US" sz="2400" dirty="0"/>
@@ -6463,7 +6486,7 @@
 </p:sld>
 </file>
 
-<file path=ppt/slides/slide2.xml><?xml version="1.0" encoding="utf-8"?>
+<file path=ppt/slides/slide17.xml><?xml version="1.0" encoding="utf-8"?>
 <p:sld xmlns:a="http://schemas.openxmlformats.org/drawingml/2006/main" xmlns:r="http://schemas.openxmlformats.org/officeDocument/2006/relationships" xmlns:p="http://schemas.openxmlformats.org/presentationml/2006/main">
   <p:cSld>
     <p:bg>
@@ -6512,7 +6535,7 @@
         </p:spPr>
         <p:txBody>
           <a:bodyPr vert="horz" lIns="91440" tIns="45720" rIns="91440" bIns="45720" rtlCol="0">
-            <a:normAutofit fontScale="92500" lnSpcReduction="20000"/>
+            <a:normAutofit/>
           </a:bodyPr>
           <a:lstStyle/>
           <a:p>
@@ -6532,18 +6555,11 @@
                 <a:ea typeface="+mn-ea"/>
                 <a:cs typeface="+mn-cs"/>
               </a:rPr>
-              <a:t>sing Kubernetes to deploy the </a:t>
+              <a:t>sing GIT and </a:t>
             </a:r>
             <a:r>
-              <a:rPr lang="en-US" sz="2000" kern="1200" dirty="0" err="1">
-                <a:solidFill>
-                  <a:schemeClr val="tx1"/>
-                </a:solidFill>
-                <a:latin typeface="+mn-lt"/>
-                <a:ea typeface="+mn-ea"/>
-                <a:cs typeface="+mn-cs"/>
-              </a:rPr>
-              <a:t>Mediawiki</a:t>
+              <a:rPr lang="en-US" sz="2000" dirty="0"/>
+              <a:t>Azure DevOps to ensure CI/CD</a:t>
             </a:r>
             <a:r>
               <a:rPr lang="en-US" sz="2000" kern="1200" dirty="0">
@@ -6554,7 +6570,7 @@
                 <a:ea typeface="+mn-ea"/>
                 <a:cs typeface="+mn-cs"/>
               </a:rPr>
-              <a:t> application. Kubernetes will ensure that things work reliably.</a:t>
+              <a:t>.</a:t>
             </a:r>
           </a:p>
           <a:p>
@@ -6588,16 +6604,11 @@
           </a:p>
           <a:p>
             <a:r>
-              <a:rPr lang="en-US" sz="2000" kern="1200" dirty="0" err="1">
-                <a:solidFill>
-                  <a:schemeClr val="tx1"/>
-                </a:solidFill>
-                <a:latin typeface="+mn-lt"/>
-                <a:ea typeface="+mn-ea"/>
-                <a:cs typeface="+mn-cs"/>
-              </a:rPr>
-              <a:t>Kuberenetes</a:t>
+              <a:rPr lang="en-US" sz="2000" dirty="0"/>
+              <a:t>Creating connection token to authentication communication between GIT and Azure DevOps</a:t>
             </a:r>
+          </a:p>
+          <a:p>
             <a:r>
               <a:rPr lang="en-US" sz="2000" kern="1200" dirty="0">
                 <a:solidFill>
@@ -6607,78 +6618,20 @@
                 <a:ea typeface="+mn-ea"/>
                 <a:cs typeface="+mn-cs"/>
               </a:rPr>
-              <a:t> Cluster</a:t>
-            </a:r>
-          </a:p>
-          <a:p>
-            <a:r>
-              <a:rPr lang="en-US" sz="2000" kern="1200" dirty="0">
-                <a:solidFill>
-                  <a:schemeClr val="tx1"/>
-                </a:solidFill>
-                <a:latin typeface="+mn-lt"/>
-                <a:ea typeface="+mn-ea"/>
-                <a:cs typeface="+mn-cs"/>
-              </a:rPr>
-              <a:t>official </a:t>
+              <a:t>Making sure CI and CD is enabled </a:t>
             </a:r>
             <a:r>
-              <a:rPr lang="en-US" sz="2000" kern="1200" dirty="0" err="1">
-                <a:solidFill>
-                  <a:schemeClr val="tx1"/>
-                </a:solidFill>
-                <a:latin typeface="+mn-lt"/>
-                <a:ea typeface="+mn-ea"/>
-                <a:cs typeface="+mn-cs"/>
-              </a:rPr>
-              <a:t>mediawiki</a:t>
+              <a:rPr lang="en-US" sz="2000" dirty="0"/>
+              <a:t>in respective Pipelines.</a:t>
             </a:r>
-            <a:r>
-              <a:rPr lang="en-US" sz="2000" kern="1200" dirty="0">
-                <a:solidFill>
-                  <a:schemeClr val="tx1"/>
-                </a:solidFill>
-                <a:latin typeface="+mn-lt"/>
-                <a:ea typeface="+mn-ea"/>
-                <a:cs typeface="+mn-cs"/>
-              </a:rPr>
-              <a:t> Docker image</a:t>
-            </a:r>
-          </a:p>
-          <a:p>
-            <a:r>
-              <a:rPr lang="en-US" sz="2000" kern="1200" dirty="0">
-                <a:solidFill>
-                  <a:schemeClr val="tx1"/>
-                </a:solidFill>
-                <a:latin typeface="+mn-lt"/>
-                <a:ea typeface="+mn-ea"/>
-                <a:cs typeface="+mn-cs"/>
-              </a:rPr>
-              <a:t>official </a:t>
-            </a:r>
-            <a:r>
-              <a:rPr lang="en-US" sz="2000" kern="1200" dirty="0" err="1">
-                <a:solidFill>
-                  <a:schemeClr val="tx1"/>
-                </a:solidFill>
-                <a:latin typeface="+mn-lt"/>
-                <a:ea typeface="+mn-ea"/>
-                <a:cs typeface="+mn-cs"/>
-              </a:rPr>
-              <a:t>mariadb</a:t>
-            </a:r>
-            <a:r>
-              <a:rPr lang="en-US" sz="2000" kern="1200" dirty="0">
-                <a:solidFill>
-                  <a:schemeClr val="tx1"/>
-                </a:solidFill>
-                <a:latin typeface="+mn-lt"/>
-                <a:ea typeface="+mn-ea"/>
-                <a:cs typeface="+mn-cs"/>
-              </a:rPr>
-              <a:t> Docker image</a:t>
-            </a:r>
+            <a:endParaRPr lang="en-US" sz="2000" kern="1200" dirty="0">
+              <a:solidFill>
+                <a:schemeClr val="tx1"/>
+              </a:solidFill>
+              <a:latin typeface="+mn-lt"/>
+              <a:ea typeface="+mn-ea"/>
+              <a:cs typeface="+mn-cs"/>
+            </a:endParaRPr>
           </a:p>
           <a:p>
             <a:pPr marL="0" indent="0">
@@ -7325,10 +7278,2476 @@
           </a:p>
         </p:txBody>
       </p:sp>
+      <p:sp>
+        <p:nvSpPr>
+          <p:cNvPr id="2" name="Content Placeholder 2">
+            <a:extLst>
+              <a:ext uri="{FF2B5EF4-FFF2-40B4-BE49-F238E27FC236}">
+                <a16:creationId xmlns:a16="http://schemas.microsoft.com/office/drawing/2014/main" id="{7BB8237D-B343-4A6A-B5AB-7D2C0FDA16DB}"/>
+              </a:ext>
+            </a:extLst>
+          </p:cNvPr>
+          <p:cNvSpPr txBox="1">
+            <a:spLocks/>
+          </p:cNvSpPr>
+          <p:nvPr/>
+        </p:nvSpPr>
+        <p:spPr>
+          <a:xfrm>
+            <a:off x="1237610" y="626724"/>
+            <a:ext cx="10058400" cy="678094"/>
+          </a:xfrm>
+          <a:prstGeom prst="rect">
+            <a:avLst/>
+          </a:prstGeom>
+        </p:spPr>
+        <p:txBody>
+          <a:bodyPr vert="horz" lIns="91440" tIns="45720" rIns="91440" bIns="45720" rtlCol="0">
+            <a:normAutofit/>
+          </a:bodyPr>
+          <a:lstStyle>
+            <a:lvl1pPr marL="228600" indent="-228600" algn="l" defTabSz="914400" rtl="0" eaLnBrk="1" latinLnBrk="0" hangingPunct="1">
+              <a:lnSpc>
+                <a:spcPct val="90000"/>
+              </a:lnSpc>
+              <a:spcBef>
+                <a:spcPts val="1000"/>
+              </a:spcBef>
+              <a:buFont typeface="Arial" panose="020B0604020202020204" pitchFamily="34" charset="0"/>
+              <a:buChar char="•"/>
+              <a:defRPr sz="2800" kern="1200">
+                <a:solidFill>
+                  <a:schemeClr val="tx1"/>
+                </a:solidFill>
+                <a:latin typeface="+mn-lt"/>
+                <a:ea typeface="+mn-ea"/>
+                <a:cs typeface="+mn-cs"/>
+              </a:defRPr>
+            </a:lvl1pPr>
+            <a:lvl2pPr marL="685800" indent="-228600" algn="l" defTabSz="914400" rtl="0" eaLnBrk="1" latinLnBrk="0" hangingPunct="1">
+              <a:lnSpc>
+                <a:spcPct val="90000"/>
+              </a:lnSpc>
+              <a:spcBef>
+                <a:spcPts val="500"/>
+              </a:spcBef>
+              <a:buFont typeface="Arial" panose="020B0604020202020204" pitchFamily="34" charset="0"/>
+              <a:buChar char="•"/>
+              <a:defRPr sz="2400" kern="1200">
+                <a:solidFill>
+                  <a:schemeClr val="tx1"/>
+                </a:solidFill>
+                <a:latin typeface="+mn-lt"/>
+                <a:ea typeface="+mn-ea"/>
+                <a:cs typeface="+mn-cs"/>
+              </a:defRPr>
+            </a:lvl2pPr>
+            <a:lvl3pPr marL="1143000" indent="-228600" algn="l" defTabSz="914400" rtl="0" eaLnBrk="1" latinLnBrk="0" hangingPunct="1">
+              <a:lnSpc>
+                <a:spcPct val="90000"/>
+              </a:lnSpc>
+              <a:spcBef>
+                <a:spcPts val="500"/>
+              </a:spcBef>
+              <a:buFont typeface="Arial" panose="020B0604020202020204" pitchFamily="34" charset="0"/>
+              <a:buChar char="•"/>
+              <a:defRPr sz="2000" kern="1200">
+                <a:solidFill>
+                  <a:schemeClr val="tx1"/>
+                </a:solidFill>
+                <a:latin typeface="+mn-lt"/>
+                <a:ea typeface="+mn-ea"/>
+                <a:cs typeface="+mn-cs"/>
+              </a:defRPr>
+            </a:lvl3pPr>
+            <a:lvl4pPr marL="1600200" indent="-228600" algn="l" defTabSz="914400" rtl="0" eaLnBrk="1" latinLnBrk="0" hangingPunct="1">
+              <a:lnSpc>
+                <a:spcPct val="90000"/>
+              </a:lnSpc>
+              <a:spcBef>
+                <a:spcPts val="500"/>
+              </a:spcBef>
+              <a:buFont typeface="Arial" panose="020B0604020202020204" pitchFamily="34" charset="0"/>
+              <a:buChar char="•"/>
+              <a:defRPr sz="1800" kern="1200">
+                <a:solidFill>
+                  <a:schemeClr val="tx1"/>
+                </a:solidFill>
+                <a:latin typeface="+mn-lt"/>
+                <a:ea typeface="+mn-ea"/>
+                <a:cs typeface="+mn-cs"/>
+              </a:defRPr>
+            </a:lvl4pPr>
+            <a:lvl5pPr marL="2057400" indent="-228600" algn="l" defTabSz="914400" rtl="0" eaLnBrk="1" latinLnBrk="0" hangingPunct="1">
+              <a:lnSpc>
+                <a:spcPct val="90000"/>
+              </a:lnSpc>
+              <a:spcBef>
+                <a:spcPts val="500"/>
+              </a:spcBef>
+              <a:buFont typeface="Arial" panose="020B0604020202020204" pitchFamily="34" charset="0"/>
+              <a:buChar char="•"/>
+              <a:defRPr sz="1800" kern="1200">
+                <a:solidFill>
+                  <a:schemeClr val="tx1"/>
+                </a:solidFill>
+                <a:latin typeface="+mn-lt"/>
+                <a:ea typeface="+mn-ea"/>
+                <a:cs typeface="+mn-cs"/>
+              </a:defRPr>
+            </a:lvl5pPr>
+            <a:lvl6pPr marL="2514600" indent="-228600" algn="l" defTabSz="914400" rtl="0" eaLnBrk="1" latinLnBrk="0" hangingPunct="1">
+              <a:lnSpc>
+                <a:spcPct val="90000"/>
+              </a:lnSpc>
+              <a:spcBef>
+                <a:spcPts val="500"/>
+              </a:spcBef>
+              <a:buFont typeface="Arial" panose="020B0604020202020204" pitchFamily="34" charset="0"/>
+              <a:buChar char="•"/>
+              <a:defRPr sz="1800" kern="1200">
+                <a:solidFill>
+                  <a:schemeClr val="tx1"/>
+                </a:solidFill>
+                <a:latin typeface="+mn-lt"/>
+                <a:ea typeface="+mn-ea"/>
+                <a:cs typeface="+mn-cs"/>
+              </a:defRPr>
+            </a:lvl6pPr>
+            <a:lvl7pPr marL="2971800" indent="-228600" algn="l" defTabSz="914400" rtl="0" eaLnBrk="1" latinLnBrk="0" hangingPunct="1">
+              <a:lnSpc>
+                <a:spcPct val="90000"/>
+              </a:lnSpc>
+              <a:spcBef>
+                <a:spcPts val="500"/>
+              </a:spcBef>
+              <a:buFont typeface="Arial" panose="020B0604020202020204" pitchFamily="34" charset="0"/>
+              <a:buChar char="•"/>
+              <a:defRPr sz="1800" kern="1200">
+                <a:solidFill>
+                  <a:schemeClr val="tx1"/>
+                </a:solidFill>
+                <a:latin typeface="+mn-lt"/>
+                <a:ea typeface="+mn-ea"/>
+                <a:cs typeface="+mn-cs"/>
+              </a:defRPr>
+            </a:lvl7pPr>
+            <a:lvl8pPr marL="3429000" indent="-228600" algn="l" defTabSz="914400" rtl="0" eaLnBrk="1" latinLnBrk="0" hangingPunct="1">
+              <a:lnSpc>
+                <a:spcPct val="90000"/>
+              </a:lnSpc>
+              <a:spcBef>
+                <a:spcPts val="500"/>
+              </a:spcBef>
+              <a:buFont typeface="Arial" panose="020B0604020202020204" pitchFamily="34" charset="0"/>
+              <a:buChar char="•"/>
+              <a:defRPr sz="1800" kern="1200">
+                <a:solidFill>
+                  <a:schemeClr val="tx1"/>
+                </a:solidFill>
+                <a:latin typeface="+mn-lt"/>
+                <a:ea typeface="+mn-ea"/>
+                <a:cs typeface="+mn-cs"/>
+              </a:defRPr>
+            </a:lvl8pPr>
+            <a:lvl9pPr marL="3886200" indent="-228600" algn="l" defTabSz="914400" rtl="0" eaLnBrk="1" latinLnBrk="0" hangingPunct="1">
+              <a:lnSpc>
+                <a:spcPct val="90000"/>
+              </a:lnSpc>
+              <a:spcBef>
+                <a:spcPts val="500"/>
+              </a:spcBef>
+              <a:buFont typeface="Arial" panose="020B0604020202020204" pitchFamily="34" charset="0"/>
+              <a:buChar char="•"/>
+              <a:defRPr sz="1800" kern="1200">
+                <a:solidFill>
+                  <a:schemeClr val="tx1"/>
+                </a:solidFill>
+                <a:latin typeface="+mn-lt"/>
+                <a:ea typeface="+mn-ea"/>
+                <a:cs typeface="+mn-cs"/>
+              </a:defRPr>
+            </a:lvl9pPr>
+          </a:lstStyle>
+          <a:p>
+            <a:pPr marL="0" indent="0" algn="r">
+              <a:buFont typeface="Arial" panose="020B0604020202020204" pitchFamily="34" charset="0"/>
+              <a:buNone/>
+            </a:pPr>
+            <a:r>
+              <a:rPr lang="en-US" sz="3600" b="1" dirty="0"/>
+              <a:t>CI/CD Solution</a:t>
+            </a:r>
+          </a:p>
+        </p:txBody>
+      </p:sp>
+    </p:spTree>
+    <p:extLst>
+      <p:ext uri="{BB962C8B-B14F-4D97-AF65-F5344CB8AC3E}">
+        <p14:creationId xmlns:p14="http://schemas.microsoft.com/office/powerpoint/2010/main" val="3714022027"/>
+      </p:ext>
+    </p:extLst>
+  </p:cSld>
+  <p:clrMapOvr>
+    <a:masterClrMapping/>
+  </p:clrMapOvr>
+</p:sld>
+</file>
+
+<file path=ppt/slides/slide18.xml><?xml version="1.0" encoding="utf-8"?>
+<p:sld xmlns:a="http://schemas.openxmlformats.org/drawingml/2006/main" xmlns:r="http://schemas.openxmlformats.org/officeDocument/2006/relationships" xmlns:p="http://schemas.openxmlformats.org/presentationml/2006/main">
+  <p:cSld>
+    <p:bg>
+      <p:bgPr>
+        <a:solidFill>
+          <a:schemeClr val="bg1"/>
+        </a:solidFill>
+        <a:effectLst/>
+      </p:bgPr>
+    </p:bg>
+    <p:spTree>
+      <p:nvGrpSpPr>
+        <p:cNvPr id="1" name=""/>
+        <p:cNvGrpSpPr/>
+        <p:nvPr/>
+      </p:nvGrpSpPr>
+      <p:grpSpPr>
+        <a:xfrm>
+          <a:off x="0" y="0"/>
+          <a:ext cx="0" cy="0"/>
+          <a:chOff x="0" y="0"/>
+          <a:chExt cx="0" cy="0"/>
+        </a:xfrm>
+      </p:grpSpPr>
+      <p:sp useBgFill="1">
+        <p:nvSpPr>
+          <p:cNvPr id="10" name="Rectangle 9">
+            <a:extLst>
+              <a:ext uri="{FF2B5EF4-FFF2-40B4-BE49-F238E27FC236}">
+                <a16:creationId xmlns:a16="http://schemas.microsoft.com/office/drawing/2014/main" id="{E45B1D5C-0827-4AF0-8186-11FC5A8B8B92}"/>
+              </a:ext>
+              <a:ext uri="{C183D7F6-B498-43B3-948B-1728B52AA6E4}">
+                <adec:decorative xmlns:adec="http://schemas.microsoft.com/office/drawing/2017/decorative" val="1"/>
+              </a:ext>
+            </a:extLst>
+          </p:cNvPr>
+          <p:cNvSpPr>
+            <a:spLocks noGrp="1" noRot="1" noChangeAspect="1" noMove="1" noResize="1" noEditPoints="1" noAdjustHandles="1" noChangeArrowheads="1" noChangeShapeType="1" noTextEdit="1"/>
+          </p:cNvSpPr>
+          <p:nvPr>
+            <p:extLst>
+              <p:ext uri="{386F3935-93C4-4BCD-93E2-E3B085C9AB24}">
+                <p16:designElem xmlns:p16="http://schemas.microsoft.com/office/powerpoint/2015/main" val="1"/>
+              </p:ext>
+            </p:extLst>
+          </p:nvPr>
+        </p:nvSpPr>
+        <p:spPr>
+          <a:xfrm>
+            <a:off x="0" y="0"/>
+            <a:ext cx="12191999" cy="6857365"/>
+          </a:xfrm>
+          <a:prstGeom prst="rect">
+            <a:avLst/>
+          </a:prstGeom>
+          <a:ln>
+            <a:noFill/>
+          </a:ln>
+        </p:spPr>
+        <p:style>
+          <a:lnRef idx="2">
+            <a:schemeClr val="accent1">
+              <a:shade val="50000"/>
+            </a:schemeClr>
+          </a:lnRef>
+          <a:fillRef idx="1">
+            <a:schemeClr val="accent1"/>
+          </a:fillRef>
+          <a:effectRef idx="0">
+            <a:schemeClr val="accent1"/>
+          </a:effectRef>
+          <a:fontRef idx="minor">
+            <a:schemeClr val="lt1"/>
+          </a:fontRef>
+        </p:style>
+        <p:txBody>
+          <a:bodyPr rtlCol="0" anchor="ctr"/>
+          <a:lstStyle/>
+          <a:p>
+            <a:pPr algn="ctr"/>
+            <a:endParaRPr lang="en-US"/>
+          </a:p>
+        </p:txBody>
+      </p:sp>
+      <p:sp>
+        <p:nvSpPr>
+          <p:cNvPr id="2" name="Title 1">
+            <a:extLst>
+              <a:ext uri="{FF2B5EF4-FFF2-40B4-BE49-F238E27FC236}">
+                <a16:creationId xmlns:a16="http://schemas.microsoft.com/office/drawing/2014/main" id="{54504C48-B481-4845-B906-EDCF857FCDB8}"/>
+              </a:ext>
+            </a:extLst>
+          </p:cNvPr>
+          <p:cNvSpPr>
+            <a:spLocks noGrp="1"/>
+          </p:cNvSpPr>
+          <p:nvPr>
+            <p:ph type="title"/>
+          </p:nvPr>
+        </p:nvSpPr>
+        <p:spPr>
+          <a:xfrm>
+            <a:off x="9267909" y="2023110"/>
+            <a:ext cx="2469624" cy="2846070"/>
+          </a:xfrm>
+        </p:spPr>
+        <p:txBody>
+          <a:bodyPr vert="horz" lIns="91440" tIns="45720" rIns="91440" bIns="45720" rtlCol="0" anchor="ctr">
+            <a:normAutofit/>
+          </a:bodyPr>
+          <a:lstStyle/>
+          <a:p>
+            <a:r>
+              <a:rPr lang="en-US" sz="3700"/>
+              <a:t>Continuous Integration</a:t>
+            </a:r>
+          </a:p>
+        </p:txBody>
+      </p:sp>
+      <p:sp>
+        <p:nvSpPr>
+          <p:cNvPr id="12" name="Rectangle 11">
+            <a:extLst>
+              <a:ext uri="{FF2B5EF4-FFF2-40B4-BE49-F238E27FC236}">
+                <a16:creationId xmlns:a16="http://schemas.microsoft.com/office/drawing/2014/main" id="{99413ED5-9ED4-4772-BCE4-2BCAE6B12E35}"/>
+              </a:ext>
+              <a:ext uri="{C183D7F6-B498-43B3-948B-1728B52AA6E4}">
+                <adec:decorative xmlns:adec="http://schemas.microsoft.com/office/drawing/2017/decorative" val="1"/>
+              </a:ext>
+            </a:extLst>
+          </p:cNvPr>
+          <p:cNvSpPr>
+            <a:spLocks noGrp="1" noRot="1" noChangeAspect="1" noMove="1" noResize="1" noEditPoints="1" noAdjustHandles="1" noChangeArrowheads="1" noChangeShapeType="1" noTextEdit="1"/>
+          </p:cNvSpPr>
+          <p:nvPr>
+            <p:extLst>
+              <p:ext uri="{386F3935-93C4-4BCD-93E2-E3B085C9AB24}">
+                <p16:designElem xmlns:p16="http://schemas.microsoft.com/office/powerpoint/2015/main" val="1"/>
+              </p:ext>
+            </p:extLst>
+          </p:nvPr>
+        </p:nvSpPr>
+        <p:spPr>
+          <a:xfrm rot="16200000">
+            <a:off x="3433973" y="-827233"/>
+            <a:ext cx="1715478" cy="8583421"/>
+          </a:xfrm>
+          <a:prstGeom prst="rect">
+            <a:avLst/>
+          </a:prstGeom>
+          <a:solidFill>
+            <a:schemeClr val="accent4"/>
+          </a:solidFill>
+          <a:ln>
+            <a:noFill/>
+          </a:ln>
+        </p:spPr>
+        <p:style>
+          <a:lnRef idx="2">
+            <a:schemeClr val="accent1">
+              <a:shade val="50000"/>
+            </a:schemeClr>
+          </a:lnRef>
+          <a:fillRef idx="1">
+            <a:schemeClr val="accent1"/>
+          </a:fillRef>
+          <a:effectRef idx="0">
+            <a:schemeClr val="accent1"/>
+          </a:effectRef>
+          <a:fontRef idx="minor">
+            <a:schemeClr val="lt1"/>
+          </a:fontRef>
+        </p:style>
+        <p:txBody>
+          <a:bodyPr rtlCol="0" anchor="ctr"/>
+          <a:lstStyle/>
+          <a:p>
+            <a:pPr algn="ctr"/>
+            <a:endParaRPr lang="en-US" dirty="0"/>
+          </a:p>
+        </p:txBody>
+      </p:sp>
+      <p:sp>
+        <p:nvSpPr>
+          <p:cNvPr id="14" name="Rectangle 13">
+            <a:extLst>
+              <a:ext uri="{FF2B5EF4-FFF2-40B4-BE49-F238E27FC236}">
+                <a16:creationId xmlns:a16="http://schemas.microsoft.com/office/drawing/2014/main" id="{04357C93-F0CB-4A1C-8F77-4E9063789819}"/>
+              </a:ext>
+              <a:ext uri="{C183D7F6-B498-43B3-948B-1728B52AA6E4}">
+                <adec:decorative xmlns:adec="http://schemas.microsoft.com/office/drawing/2017/decorative" val="1"/>
+              </a:ext>
+            </a:extLst>
+          </p:cNvPr>
+          <p:cNvSpPr>
+            <a:spLocks noGrp="1" noRot="1" noChangeAspect="1" noMove="1" noResize="1" noEditPoints="1" noAdjustHandles="1" noChangeArrowheads="1" noChangeShapeType="1" noTextEdit="1"/>
+          </p:cNvSpPr>
+          <p:nvPr>
+            <p:extLst>
+              <p:ext uri="{386F3935-93C4-4BCD-93E2-E3B085C9AB24}">
+                <p16:designElem xmlns:p16="http://schemas.microsoft.com/office/powerpoint/2015/main" val="1"/>
+              </p:ext>
+            </p:extLst>
+          </p:nvPr>
+        </p:nvSpPr>
+        <p:spPr>
+          <a:xfrm>
+            <a:off x="302085" y="664308"/>
+            <a:ext cx="8082632" cy="5600340"/>
+          </a:xfrm>
+          <a:prstGeom prst="rect">
+            <a:avLst/>
+          </a:prstGeom>
+          <a:solidFill>
+            <a:schemeClr val="bg1"/>
+          </a:solidFill>
+          <a:ln>
+            <a:noFill/>
+          </a:ln>
+          <a:effectLst>
+            <a:outerShdw blurRad="139700" dist="127000" dir="5400000" algn="t" rotWithShape="0">
+              <a:prstClr val="black">
+                <a:alpha val="15000"/>
+              </a:prstClr>
+            </a:outerShdw>
+          </a:effectLst>
+        </p:spPr>
+        <p:style>
+          <a:lnRef idx="2">
+            <a:schemeClr val="accent1">
+              <a:shade val="50000"/>
+            </a:schemeClr>
+          </a:lnRef>
+          <a:fillRef idx="1">
+            <a:schemeClr val="accent1"/>
+          </a:fillRef>
+          <a:effectRef idx="0">
+            <a:schemeClr val="accent1"/>
+          </a:effectRef>
+          <a:fontRef idx="minor">
+            <a:schemeClr val="lt1"/>
+          </a:fontRef>
+        </p:style>
+        <p:txBody>
+          <a:bodyPr rtlCol="0" anchor="ctr"/>
+          <a:lstStyle/>
+          <a:p>
+            <a:pPr algn="ctr"/>
+            <a:endParaRPr lang="en-US"/>
+          </a:p>
+        </p:txBody>
+      </p:sp>
+      <p:pic>
+        <p:nvPicPr>
+          <p:cNvPr id="5" name="Content Placeholder 4" descr="A screenshot of a computer screen&#10;&#10;Description automatically generated">
+            <a:extLst>
+              <a:ext uri="{FF2B5EF4-FFF2-40B4-BE49-F238E27FC236}">
+                <a16:creationId xmlns:a16="http://schemas.microsoft.com/office/drawing/2014/main" id="{D14EC5EB-D502-4A7D-BEFF-96399D0A8EF6}"/>
+              </a:ext>
+            </a:extLst>
+          </p:cNvPr>
+          <p:cNvPicPr>
+            <a:picLocks noGrp="1" noChangeAspect="1"/>
+          </p:cNvPicPr>
+          <p:nvPr>
+            <p:ph sz="half" idx="2"/>
+          </p:nvPr>
+        </p:nvPicPr>
+        <p:blipFill rotWithShape="1">
+          <a:blip r:embed="rId2"/>
+          <a:srcRect l="10638" r="14914" b="2"/>
+          <a:stretch/>
+        </p:blipFill>
+        <p:spPr>
+          <a:xfrm>
+            <a:off x="545238" y="858525"/>
+            <a:ext cx="7608304" cy="5211906"/>
+          </a:xfrm>
+          <a:prstGeom prst="rect">
+            <a:avLst/>
+          </a:prstGeom>
+        </p:spPr>
+      </p:pic>
+      <p:sp>
+        <p:nvSpPr>
+          <p:cNvPr id="16" name="Rectangle 15">
+            <a:extLst>
+              <a:ext uri="{FF2B5EF4-FFF2-40B4-BE49-F238E27FC236}">
+                <a16:creationId xmlns:a16="http://schemas.microsoft.com/office/drawing/2014/main" id="{90F533E9-6690-41A8-A372-4C6C622D028D}"/>
+              </a:ext>
+              <a:ext uri="{C183D7F6-B498-43B3-948B-1728B52AA6E4}">
+                <adec:decorative xmlns:adec="http://schemas.microsoft.com/office/drawing/2017/decorative" val="1"/>
+              </a:ext>
+            </a:extLst>
+          </p:cNvPr>
+          <p:cNvSpPr>
+            <a:spLocks noGrp="1" noRot="1" noChangeAspect="1" noMove="1" noResize="1" noEditPoints="1" noAdjustHandles="1" noChangeArrowheads="1" noChangeShapeType="1" noTextEdit="1"/>
+          </p:cNvSpPr>
+          <p:nvPr>
+            <p:extLst>
+              <p:ext uri="{386F3935-93C4-4BCD-93E2-E3B085C9AB24}">
+                <p16:designElem xmlns:p16="http://schemas.microsoft.com/office/powerpoint/2015/main" val="1"/>
+              </p:ext>
+            </p:extLst>
+          </p:nvPr>
+        </p:nvSpPr>
+        <p:spPr>
+          <a:xfrm rot="5400000">
+            <a:off x="7950447" y="3392097"/>
+            <a:ext cx="1719072" cy="152382"/>
+          </a:xfrm>
+          <a:prstGeom prst="rect">
+            <a:avLst/>
+          </a:prstGeom>
+          <a:solidFill>
+            <a:schemeClr val="accent4"/>
+          </a:solidFill>
+          <a:ln>
+            <a:noFill/>
+          </a:ln>
+        </p:spPr>
+        <p:style>
+          <a:lnRef idx="2">
+            <a:schemeClr val="accent1">
+              <a:shade val="50000"/>
+            </a:schemeClr>
+          </a:lnRef>
+          <a:fillRef idx="1">
+            <a:schemeClr val="accent1"/>
+          </a:fillRef>
+          <a:effectRef idx="0">
+            <a:schemeClr val="accent1"/>
+          </a:effectRef>
+          <a:fontRef idx="minor">
+            <a:schemeClr val="lt1"/>
+          </a:fontRef>
+        </p:style>
+        <p:txBody>
+          <a:bodyPr rtlCol="0" anchor="ctr"/>
+          <a:lstStyle/>
+          <a:p>
+            <a:pPr algn="ctr"/>
+            <a:endParaRPr lang="en-US"/>
+          </a:p>
+        </p:txBody>
+      </p:sp>
+    </p:spTree>
+    <p:extLst>
+      <p:ext uri="{BB962C8B-B14F-4D97-AF65-F5344CB8AC3E}">
+        <p14:creationId xmlns:p14="http://schemas.microsoft.com/office/powerpoint/2010/main" val="2553202082"/>
+      </p:ext>
+    </p:extLst>
+  </p:cSld>
+  <p:clrMapOvr>
+    <a:masterClrMapping/>
+  </p:clrMapOvr>
+</p:sld>
+</file>
+
+<file path=ppt/slides/slide19.xml><?xml version="1.0" encoding="utf-8"?>
+<p:sld xmlns:a="http://schemas.openxmlformats.org/drawingml/2006/main" xmlns:r="http://schemas.openxmlformats.org/officeDocument/2006/relationships" xmlns:p="http://schemas.openxmlformats.org/presentationml/2006/main">
+  <p:cSld>
+    <p:bg>
+      <p:bgPr>
+        <a:solidFill>
+          <a:schemeClr val="bg1"/>
+        </a:solidFill>
+        <a:effectLst/>
+      </p:bgPr>
+    </p:bg>
+    <p:spTree>
+      <p:nvGrpSpPr>
+        <p:cNvPr id="1" name=""/>
+        <p:cNvGrpSpPr/>
+        <p:nvPr/>
+      </p:nvGrpSpPr>
+      <p:grpSpPr>
+        <a:xfrm>
+          <a:off x="0" y="0"/>
+          <a:ext cx="0" cy="0"/>
+          <a:chOff x="0" y="0"/>
+          <a:chExt cx="0" cy="0"/>
+        </a:xfrm>
+      </p:grpSpPr>
+      <p:sp useBgFill="1">
+        <p:nvSpPr>
+          <p:cNvPr id="10" name="Rectangle 9">
+            <a:extLst>
+              <a:ext uri="{FF2B5EF4-FFF2-40B4-BE49-F238E27FC236}">
+                <a16:creationId xmlns:a16="http://schemas.microsoft.com/office/drawing/2014/main" id="{E45B1D5C-0827-4AF0-8186-11FC5A8B8B92}"/>
+              </a:ext>
+              <a:ext uri="{C183D7F6-B498-43B3-948B-1728B52AA6E4}">
+                <adec:decorative xmlns:adec="http://schemas.microsoft.com/office/drawing/2017/decorative" val="1"/>
+              </a:ext>
+            </a:extLst>
+          </p:cNvPr>
+          <p:cNvSpPr>
+            <a:spLocks noGrp="1" noRot="1" noChangeAspect="1" noMove="1" noResize="1" noEditPoints="1" noAdjustHandles="1" noChangeArrowheads="1" noChangeShapeType="1" noTextEdit="1"/>
+          </p:cNvSpPr>
+          <p:nvPr>
+            <p:extLst>
+              <p:ext uri="{386F3935-93C4-4BCD-93E2-E3B085C9AB24}">
+                <p16:designElem xmlns:p16="http://schemas.microsoft.com/office/powerpoint/2015/main" val="1"/>
+              </p:ext>
+            </p:extLst>
+          </p:nvPr>
+        </p:nvSpPr>
+        <p:spPr>
+          <a:xfrm>
+            <a:off x="0" y="0"/>
+            <a:ext cx="12191999" cy="6857365"/>
+          </a:xfrm>
+          <a:prstGeom prst="rect">
+            <a:avLst/>
+          </a:prstGeom>
+          <a:ln>
+            <a:noFill/>
+          </a:ln>
+        </p:spPr>
+        <p:style>
+          <a:lnRef idx="2">
+            <a:schemeClr val="accent1">
+              <a:shade val="50000"/>
+            </a:schemeClr>
+          </a:lnRef>
+          <a:fillRef idx="1">
+            <a:schemeClr val="accent1"/>
+          </a:fillRef>
+          <a:effectRef idx="0">
+            <a:schemeClr val="accent1"/>
+          </a:effectRef>
+          <a:fontRef idx="minor">
+            <a:schemeClr val="lt1"/>
+          </a:fontRef>
+        </p:style>
+        <p:txBody>
+          <a:bodyPr rtlCol="0" anchor="ctr"/>
+          <a:lstStyle/>
+          <a:p>
+            <a:pPr algn="ctr"/>
+            <a:endParaRPr lang="en-US"/>
+          </a:p>
+        </p:txBody>
+      </p:sp>
+      <p:sp>
+        <p:nvSpPr>
+          <p:cNvPr id="2" name="Title 1">
+            <a:extLst>
+              <a:ext uri="{FF2B5EF4-FFF2-40B4-BE49-F238E27FC236}">
+                <a16:creationId xmlns:a16="http://schemas.microsoft.com/office/drawing/2014/main" id="{176D3EA5-59FE-4F16-A224-BAD00A272CAF}"/>
+              </a:ext>
+            </a:extLst>
+          </p:cNvPr>
+          <p:cNvSpPr>
+            <a:spLocks noGrp="1"/>
+          </p:cNvSpPr>
+          <p:nvPr>
+            <p:ph type="title"/>
+          </p:nvPr>
+        </p:nvSpPr>
+        <p:spPr>
+          <a:xfrm>
+            <a:off x="9267909" y="2023110"/>
+            <a:ext cx="2469624" cy="2846070"/>
+          </a:xfrm>
+        </p:spPr>
+        <p:txBody>
+          <a:bodyPr vert="horz" lIns="91440" tIns="45720" rIns="91440" bIns="45720" rtlCol="0" anchor="ctr">
+            <a:normAutofit/>
+          </a:bodyPr>
+          <a:lstStyle/>
+          <a:p>
+            <a:r>
+              <a:rPr lang="en-US" sz="3700"/>
+              <a:t>Build Artifacts</a:t>
+            </a:r>
+          </a:p>
+        </p:txBody>
+      </p:sp>
+      <p:sp>
+        <p:nvSpPr>
+          <p:cNvPr id="12" name="Rectangle 11">
+            <a:extLst>
+              <a:ext uri="{FF2B5EF4-FFF2-40B4-BE49-F238E27FC236}">
+                <a16:creationId xmlns:a16="http://schemas.microsoft.com/office/drawing/2014/main" id="{99413ED5-9ED4-4772-BCE4-2BCAE6B12E35}"/>
+              </a:ext>
+              <a:ext uri="{C183D7F6-B498-43B3-948B-1728B52AA6E4}">
+                <adec:decorative xmlns:adec="http://schemas.microsoft.com/office/drawing/2017/decorative" val="1"/>
+              </a:ext>
+            </a:extLst>
+          </p:cNvPr>
+          <p:cNvSpPr>
+            <a:spLocks noGrp="1" noRot="1" noChangeAspect="1" noMove="1" noResize="1" noEditPoints="1" noAdjustHandles="1" noChangeArrowheads="1" noChangeShapeType="1" noTextEdit="1"/>
+          </p:cNvSpPr>
+          <p:nvPr>
+            <p:extLst>
+              <p:ext uri="{386F3935-93C4-4BCD-93E2-E3B085C9AB24}">
+                <p16:designElem xmlns:p16="http://schemas.microsoft.com/office/powerpoint/2015/main" val="1"/>
+              </p:ext>
+            </p:extLst>
+          </p:nvPr>
+        </p:nvSpPr>
+        <p:spPr>
+          <a:xfrm rot="16200000">
+            <a:off x="3433973" y="-827233"/>
+            <a:ext cx="1715478" cy="8583421"/>
+          </a:xfrm>
+          <a:prstGeom prst="rect">
+            <a:avLst/>
+          </a:prstGeom>
+          <a:solidFill>
+            <a:schemeClr val="accent4"/>
+          </a:solidFill>
+          <a:ln>
+            <a:noFill/>
+          </a:ln>
+        </p:spPr>
+        <p:style>
+          <a:lnRef idx="2">
+            <a:schemeClr val="accent1">
+              <a:shade val="50000"/>
+            </a:schemeClr>
+          </a:lnRef>
+          <a:fillRef idx="1">
+            <a:schemeClr val="accent1"/>
+          </a:fillRef>
+          <a:effectRef idx="0">
+            <a:schemeClr val="accent1"/>
+          </a:effectRef>
+          <a:fontRef idx="minor">
+            <a:schemeClr val="lt1"/>
+          </a:fontRef>
+        </p:style>
+        <p:txBody>
+          <a:bodyPr rtlCol="0" anchor="ctr"/>
+          <a:lstStyle/>
+          <a:p>
+            <a:pPr algn="ctr"/>
+            <a:endParaRPr lang="en-US" dirty="0"/>
+          </a:p>
+        </p:txBody>
+      </p:sp>
+      <p:sp>
+        <p:nvSpPr>
+          <p:cNvPr id="14" name="Rectangle 13">
+            <a:extLst>
+              <a:ext uri="{FF2B5EF4-FFF2-40B4-BE49-F238E27FC236}">
+                <a16:creationId xmlns:a16="http://schemas.microsoft.com/office/drawing/2014/main" id="{04357C93-F0CB-4A1C-8F77-4E9063789819}"/>
+              </a:ext>
+              <a:ext uri="{C183D7F6-B498-43B3-948B-1728B52AA6E4}">
+                <adec:decorative xmlns:adec="http://schemas.microsoft.com/office/drawing/2017/decorative" val="1"/>
+              </a:ext>
+            </a:extLst>
+          </p:cNvPr>
+          <p:cNvSpPr>
+            <a:spLocks noGrp="1" noRot="1" noChangeAspect="1" noMove="1" noResize="1" noEditPoints="1" noAdjustHandles="1" noChangeArrowheads="1" noChangeShapeType="1" noTextEdit="1"/>
+          </p:cNvSpPr>
+          <p:nvPr>
+            <p:extLst>
+              <p:ext uri="{386F3935-93C4-4BCD-93E2-E3B085C9AB24}">
+                <p16:designElem xmlns:p16="http://schemas.microsoft.com/office/powerpoint/2015/main" val="1"/>
+              </p:ext>
+            </p:extLst>
+          </p:nvPr>
+        </p:nvSpPr>
+        <p:spPr>
+          <a:xfrm>
+            <a:off x="302085" y="664308"/>
+            <a:ext cx="8082632" cy="5600340"/>
+          </a:xfrm>
+          <a:prstGeom prst="rect">
+            <a:avLst/>
+          </a:prstGeom>
+          <a:solidFill>
+            <a:schemeClr val="bg1"/>
+          </a:solidFill>
+          <a:ln>
+            <a:noFill/>
+          </a:ln>
+          <a:effectLst>
+            <a:outerShdw blurRad="139700" dist="127000" dir="5400000" algn="t" rotWithShape="0">
+              <a:prstClr val="black">
+                <a:alpha val="15000"/>
+              </a:prstClr>
+            </a:outerShdw>
+          </a:effectLst>
+        </p:spPr>
+        <p:style>
+          <a:lnRef idx="2">
+            <a:schemeClr val="accent1">
+              <a:shade val="50000"/>
+            </a:schemeClr>
+          </a:lnRef>
+          <a:fillRef idx="1">
+            <a:schemeClr val="accent1"/>
+          </a:fillRef>
+          <a:effectRef idx="0">
+            <a:schemeClr val="accent1"/>
+          </a:effectRef>
+          <a:fontRef idx="minor">
+            <a:schemeClr val="lt1"/>
+          </a:fontRef>
+        </p:style>
+        <p:txBody>
+          <a:bodyPr rtlCol="0" anchor="ctr"/>
+          <a:lstStyle/>
+          <a:p>
+            <a:pPr algn="ctr"/>
+            <a:endParaRPr lang="en-US"/>
+          </a:p>
+        </p:txBody>
+      </p:sp>
+      <p:pic>
+        <p:nvPicPr>
+          <p:cNvPr id="5" name="Content Placeholder 4">
+            <a:extLst>
+              <a:ext uri="{FF2B5EF4-FFF2-40B4-BE49-F238E27FC236}">
+                <a16:creationId xmlns:a16="http://schemas.microsoft.com/office/drawing/2014/main" id="{A512B82B-D1FD-4241-BBE2-EBAE4CD973F0}"/>
+              </a:ext>
+            </a:extLst>
+          </p:cNvPr>
+          <p:cNvPicPr>
+            <a:picLocks noGrp="1" noChangeAspect="1"/>
+          </p:cNvPicPr>
+          <p:nvPr>
+            <p:ph sz="half" idx="2"/>
+          </p:nvPr>
+        </p:nvPicPr>
+        <p:blipFill rotWithShape="1">
+          <a:blip r:embed="rId2"/>
+          <a:srcRect l="5017" r="46080"/>
+          <a:stretch/>
+        </p:blipFill>
+        <p:spPr>
+          <a:xfrm>
+            <a:off x="545238" y="858525"/>
+            <a:ext cx="7608304" cy="5211906"/>
+          </a:xfrm>
+          <a:prstGeom prst="rect">
+            <a:avLst/>
+          </a:prstGeom>
+        </p:spPr>
+      </p:pic>
+      <p:sp>
+        <p:nvSpPr>
+          <p:cNvPr id="16" name="Rectangle 15">
+            <a:extLst>
+              <a:ext uri="{FF2B5EF4-FFF2-40B4-BE49-F238E27FC236}">
+                <a16:creationId xmlns:a16="http://schemas.microsoft.com/office/drawing/2014/main" id="{90F533E9-6690-41A8-A372-4C6C622D028D}"/>
+              </a:ext>
+              <a:ext uri="{C183D7F6-B498-43B3-948B-1728B52AA6E4}">
+                <adec:decorative xmlns:adec="http://schemas.microsoft.com/office/drawing/2017/decorative" val="1"/>
+              </a:ext>
+            </a:extLst>
+          </p:cNvPr>
+          <p:cNvSpPr>
+            <a:spLocks noGrp="1" noRot="1" noChangeAspect="1" noMove="1" noResize="1" noEditPoints="1" noAdjustHandles="1" noChangeArrowheads="1" noChangeShapeType="1" noTextEdit="1"/>
+          </p:cNvSpPr>
+          <p:nvPr>
+            <p:extLst>
+              <p:ext uri="{386F3935-93C4-4BCD-93E2-E3B085C9AB24}">
+                <p16:designElem xmlns:p16="http://schemas.microsoft.com/office/powerpoint/2015/main" val="1"/>
+              </p:ext>
+            </p:extLst>
+          </p:nvPr>
+        </p:nvSpPr>
+        <p:spPr>
+          <a:xfrm rot="5400000">
+            <a:off x="7950447" y="3392097"/>
+            <a:ext cx="1719072" cy="152382"/>
+          </a:xfrm>
+          <a:prstGeom prst="rect">
+            <a:avLst/>
+          </a:prstGeom>
+          <a:solidFill>
+            <a:schemeClr val="accent4"/>
+          </a:solidFill>
+          <a:ln>
+            <a:noFill/>
+          </a:ln>
+        </p:spPr>
+        <p:style>
+          <a:lnRef idx="2">
+            <a:schemeClr val="accent1">
+              <a:shade val="50000"/>
+            </a:schemeClr>
+          </a:lnRef>
+          <a:fillRef idx="1">
+            <a:schemeClr val="accent1"/>
+          </a:fillRef>
+          <a:effectRef idx="0">
+            <a:schemeClr val="accent1"/>
+          </a:effectRef>
+          <a:fontRef idx="minor">
+            <a:schemeClr val="lt1"/>
+          </a:fontRef>
+        </p:style>
+        <p:txBody>
+          <a:bodyPr rtlCol="0" anchor="ctr"/>
+          <a:lstStyle/>
+          <a:p>
+            <a:pPr algn="ctr"/>
+            <a:endParaRPr lang="en-US"/>
+          </a:p>
+        </p:txBody>
+      </p:sp>
+    </p:spTree>
+    <p:extLst>
+      <p:ext uri="{BB962C8B-B14F-4D97-AF65-F5344CB8AC3E}">
+        <p14:creationId xmlns:p14="http://schemas.microsoft.com/office/powerpoint/2010/main" val="2486576007"/>
+      </p:ext>
+    </p:extLst>
+  </p:cSld>
+  <p:clrMapOvr>
+    <a:masterClrMapping/>
+  </p:clrMapOvr>
+</p:sld>
+</file>
+
+<file path=ppt/slides/slide2.xml><?xml version="1.0" encoding="utf-8"?>
+<p:sld xmlns:a="http://schemas.openxmlformats.org/drawingml/2006/main" xmlns:r="http://schemas.openxmlformats.org/officeDocument/2006/relationships" xmlns:p="http://schemas.openxmlformats.org/presentationml/2006/main">
+  <p:cSld>
+    <p:bg>
+      <p:bgPr>
+        <a:solidFill>
+          <a:schemeClr val="bg1"/>
+        </a:solidFill>
+        <a:effectLst/>
+      </p:bgPr>
+    </p:bg>
+    <p:spTree>
+      <p:nvGrpSpPr>
+        <p:cNvPr id="1" name=""/>
+        <p:cNvGrpSpPr/>
+        <p:nvPr/>
+      </p:nvGrpSpPr>
+      <p:grpSpPr>
+        <a:xfrm>
+          <a:off x="0" y="0"/>
+          <a:ext cx="0" cy="0"/>
+          <a:chOff x="0" y="0"/>
+          <a:chExt cx="0" cy="0"/>
+        </a:xfrm>
+      </p:grpSpPr>
+      <p:sp>
+        <p:nvSpPr>
+          <p:cNvPr id="3" name="Content Placeholder 2">
+            <a:extLst>
+              <a:ext uri="{FF2B5EF4-FFF2-40B4-BE49-F238E27FC236}">
+                <a16:creationId xmlns:a16="http://schemas.microsoft.com/office/drawing/2014/main" id="{AD881779-0211-4E61-8A4D-8DF685DCDFDB}"/>
+              </a:ext>
+            </a:extLst>
+          </p:cNvPr>
+          <p:cNvSpPr>
+            <a:spLocks noGrp="1"/>
+          </p:cNvSpPr>
+          <p:nvPr>
+            <p:ph sz="half" idx="1"/>
+          </p:nvPr>
+        </p:nvSpPr>
+        <p:spPr>
+          <a:xfrm>
+            <a:off x="1191802" y="2344554"/>
+            <a:ext cx="10058400" cy="2175080"/>
+          </a:xfrm>
+        </p:spPr>
+        <p:txBody>
+          <a:bodyPr vert="horz" lIns="91440" tIns="45720" rIns="91440" bIns="45720" rtlCol="0">
+            <a:normAutofit fontScale="92500" lnSpcReduction="20000"/>
+          </a:bodyPr>
+          <a:lstStyle/>
+          <a:p>
+            <a:pPr marL="0" indent="0">
+              <a:buNone/>
+            </a:pPr>
+            <a:r>
+              <a:rPr lang="en-US" sz="2000" dirty="0"/>
+              <a:t>U</a:t>
+            </a:r>
+            <a:r>
+              <a:rPr lang="en-US" sz="2000" kern="1200" dirty="0">
+                <a:solidFill>
+                  <a:schemeClr val="tx1"/>
+                </a:solidFill>
+                <a:latin typeface="+mn-lt"/>
+                <a:ea typeface="+mn-ea"/>
+                <a:cs typeface="+mn-cs"/>
+              </a:rPr>
+              <a:t>sing Kubernetes to deploy the </a:t>
+            </a:r>
+            <a:r>
+              <a:rPr lang="en-US" sz="2000" kern="1200" dirty="0" err="1">
+                <a:solidFill>
+                  <a:schemeClr val="tx1"/>
+                </a:solidFill>
+                <a:latin typeface="+mn-lt"/>
+                <a:ea typeface="+mn-ea"/>
+                <a:cs typeface="+mn-cs"/>
+              </a:rPr>
+              <a:t>Mediawiki</a:t>
+            </a:r>
+            <a:r>
+              <a:rPr lang="en-US" sz="2000" kern="1200" dirty="0">
+                <a:solidFill>
+                  <a:schemeClr val="tx1"/>
+                </a:solidFill>
+                <a:latin typeface="+mn-lt"/>
+                <a:ea typeface="+mn-ea"/>
+                <a:cs typeface="+mn-cs"/>
+              </a:rPr>
+              <a:t> application. Kubernetes will ensure that things work reliably.</a:t>
+            </a:r>
+          </a:p>
+          <a:p>
+            <a:pPr marL="0" indent="0">
+              <a:buNone/>
+            </a:pPr>
+            <a:endParaRPr lang="en-US" sz="2000" kern="1200" dirty="0">
+              <a:solidFill>
+                <a:schemeClr val="tx1"/>
+              </a:solidFill>
+              <a:latin typeface="+mn-lt"/>
+              <a:ea typeface="+mn-ea"/>
+              <a:cs typeface="+mn-cs"/>
+            </a:endParaRPr>
+          </a:p>
+          <a:p>
+            <a:pPr marL="0" indent="0">
+              <a:buNone/>
+            </a:pPr>
+            <a:r>
+              <a:rPr lang="en-US" sz="2000" kern="1200" dirty="0">
+                <a:solidFill>
+                  <a:schemeClr val="tx1"/>
+                </a:solidFill>
+                <a:latin typeface="+mn-lt"/>
+                <a:ea typeface="+mn-ea"/>
+                <a:cs typeface="+mn-cs"/>
+              </a:rPr>
+              <a:t>Application dependencies:</a:t>
+            </a:r>
+          </a:p>
+          <a:p>
+            <a:r>
+              <a:rPr lang="en-US" sz="2000" kern="1200" dirty="0" err="1">
+                <a:solidFill>
+                  <a:schemeClr val="tx1"/>
+                </a:solidFill>
+                <a:latin typeface="+mn-lt"/>
+                <a:ea typeface="+mn-ea"/>
+                <a:cs typeface="+mn-cs"/>
+              </a:rPr>
+              <a:t>Kuberenetes</a:t>
+            </a:r>
+            <a:r>
+              <a:rPr lang="en-US" sz="2000" kern="1200" dirty="0">
+                <a:solidFill>
+                  <a:schemeClr val="tx1"/>
+                </a:solidFill>
+                <a:latin typeface="+mn-lt"/>
+                <a:ea typeface="+mn-ea"/>
+                <a:cs typeface="+mn-cs"/>
+              </a:rPr>
+              <a:t> Cluster</a:t>
+            </a:r>
+          </a:p>
+          <a:p>
+            <a:r>
+              <a:rPr lang="en-US" sz="2000" kern="1200" dirty="0">
+                <a:solidFill>
+                  <a:schemeClr val="tx1"/>
+                </a:solidFill>
+                <a:latin typeface="+mn-lt"/>
+                <a:ea typeface="+mn-ea"/>
+                <a:cs typeface="+mn-cs"/>
+              </a:rPr>
+              <a:t>official </a:t>
+            </a:r>
+            <a:r>
+              <a:rPr lang="en-US" sz="2000" kern="1200" dirty="0" err="1">
+                <a:solidFill>
+                  <a:schemeClr val="tx1"/>
+                </a:solidFill>
+                <a:latin typeface="+mn-lt"/>
+                <a:ea typeface="+mn-ea"/>
+                <a:cs typeface="+mn-cs"/>
+              </a:rPr>
+              <a:t>mediawiki</a:t>
+            </a:r>
+            <a:r>
+              <a:rPr lang="en-US" sz="2000" kern="1200" dirty="0">
+                <a:solidFill>
+                  <a:schemeClr val="tx1"/>
+                </a:solidFill>
+                <a:latin typeface="+mn-lt"/>
+                <a:ea typeface="+mn-ea"/>
+                <a:cs typeface="+mn-cs"/>
+              </a:rPr>
+              <a:t> Docker image</a:t>
+            </a:r>
+          </a:p>
+          <a:p>
+            <a:r>
+              <a:rPr lang="en-US" sz="2000" kern="1200" dirty="0">
+                <a:solidFill>
+                  <a:schemeClr val="tx1"/>
+                </a:solidFill>
+                <a:latin typeface="+mn-lt"/>
+                <a:ea typeface="+mn-ea"/>
+                <a:cs typeface="+mn-cs"/>
+              </a:rPr>
+              <a:t>official </a:t>
+            </a:r>
+            <a:r>
+              <a:rPr lang="en-US" sz="2000" kern="1200" dirty="0" err="1">
+                <a:solidFill>
+                  <a:schemeClr val="tx1"/>
+                </a:solidFill>
+                <a:latin typeface="+mn-lt"/>
+                <a:ea typeface="+mn-ea"/>
+                <a:cs typeface="+mn-cs"/>
+              </a:rPr>
+              <a:t>mariadb</a:t>
+            </a:r>
+            <a:r>
+              <a:rPr lang="en-US" sz="2000" kern="1200" dirty="0">
+                <a:solidFill>
+                  <a:schemeClr val="tx1"/>
+                </a:solidFill>
+                <a:latin typeface="+mn-lt"/>
+                <a:ea typeface="+mn-ea"/>
+                <a:cs typeface="+mn-cs"/>
+              </a:rPr>
+              <a:t> Docker image</a:t>
+            </a:r>
+          </a:p>
+          <a:p>
+            <a:pPr marL="0" indent="0">
+              <a:buNone/>
+            </a:pPr>
+            <a:endParaRPr lang="en-US" sz="2000" kern="1200" dirty="0">
+              <a:solidFill>
+                <a:schemeClr val="tx1"/>
+              </a:solidFill>
+              <a:latin typeface="+mn-lt"/>
+              <a:ea typeface="+mn-ea"/>
+              <a:cs typeface="+mn-cs"/>
+            </a:endParaRPr>
+          </a:p>
+          <a:p>
+            <a:pPr marL="0" indent="0">
+              <a:buNone/>
+            </a:pPr>
+            <a:endParaRPr lang="en-US" sz="2000" kern="1200" dirty="0">
+              <a:solidFill>
+                <a:schemeClr val="tx1"/>
+              </a:solidFill>
+              <a:latin typeface="+mn-lt"/>
+              <a:ea typeface="+mn-ea"/>
+              <a:cs typeface="+mn-cs"/>
+            </a:endParaRPr>
+          </a:p>
+        </p:txBody>
+      </p:sp>
+      <p:sp>
+        <p:nvSpPr>
+          <p:cNvPr id="8" name="Freeform 14">
+            <a:extLst>
+              <a:ext uri="{FF2B5EF4-FFF2-40B4-BE49-F238E27FC236}">
+                <a16:creationId xmlns:a16="http://schemas.microsoft.com/office/drawing/2014/main" id="{C66F2F30-5DC0-44A0-BFA6-E12F46ED16DA}"/>
+              </a:ext>
+              <a:ext uri="{C183D7F6-B498-43B3-948B-1728B52AA6E4}">
+                <adec:decorative xmlns:adec="http://schemas.microsoft.com/office/drawing/2017/decorative" val="1"/>
+              </a:ext>
+            </a:extLst>
+          </p:cNvPr>
+          <p:cNvSpPr>
+            <a:spLocks noGrp="1" noRot="1" noChangeAspect="1" noMove="1" noResize="1" noEditPoints="1" noAdjustHandles="1" noChangeArrowheads="1" noChangeShapeType="1" noTextEdit="1"/>
+          </p:cNvSpPr>
+          <p:nvPr>
+            <p:extLst>
+              <p:ext uri="{386F3935-93C4-4BCD-93E2-E3B085C9AB24}">
+                <p16:designElem xmlns:p16="http://schemas.microsoft.com/office/powerpoint/2015/main" val="1"/>
+              </p:ext>
+            </p:extLst>
+          </p:nvPr>
+        </p:nvSpPr>
+        <p:spPr>
+          <a:xfrm>
+            <a:off x="0" y="1"/>
+            <a:ext cx="5920619" cy="2130951"/>
+          </a:xfrm>
+          <a:custGeom>
+            <a:avLst/>
+            <a:gdLst>
+              <a:gd name="connsiteX0" fmla="*/ 0 w 5920619"/>
+              <a:gd name="connsiteY0" fmla="*/ 0 h 2130951"/>
+              <a:gd name="connsiteX1" fmla="*/ 3191370 w 5920619"/>
+              <a:gd name="connsiteY1" fmla="*/ 0 h 2130951"/>
+              <a:gd name="connsiteX2" fmla="*/ 3346315 w 5920619"/>
+              <a:gd name="connsiteY2" fmla="*/ 0 h 2130951"/>
+              <a:gd name="connsiteX3" fmla="*/ 5920619 w 5920619"/>
+              <a:gd name="connsiteY3" fmla="*/ 0 h 2130951"/>
+              <a:gd name="connsiteX4" fmla="*/ 4936971 w 5920619"/>
+              <a:gd name="connsiteY4" fmla="*/ 2130951 h 2130951"/>
+              <a:gd name="connsiteX5" fmla="*/ 0 w 5920619"/>
+              <a:gd name="connsiteY5" fmla="*/ 2130951 h 2130951"/>
+            </a:gdLst>
+            <a:ahLst/>
+            <a:cxnLst>
+              <a:cxn ang="0">
+                <a:pos x="connsiteX0" y="connsiteY0"/>
+              </a:cxn>
+              <a:cxn ang="0">
+                <a:pos x="connsiteX1" y="connsiteY1"/>
+              </a:cxn>
+              <a:cxn ang="0">
+                <a:pos x="connsiteX2" y="connsiteY2"/>
+              </a:cxn>
+              <a:cxn ang="0">
+                <a:pos x="connsiteX3" y="connsiteY3"/>
+              </a:cxn>
+              <a:cxn ang="0">
+                <a:pos x="connsiteX4" y="connsiteY4"/>
+              </a:cxn>
+              <a:cxn ang="0">
+                <a:pos x="connsiteX5" y="connsiteY5"/>
+              </a:cxn>
+            </a:cxnLst>
+            <a:rect l="l" t="t" r="r" b="b"/>
+            <a:pathLst>
+              <a:path w="5920619" h="2130951">
+                <a:moveTo>
+                  <a:pt x="0" y="0"/>
+                </a:moveTo>
+                <a:lnTo>
+                  <a:pt x="3191370" y="0"/>
+                </a:lnTo>
+                <a:lnTo>
+                  <a:pt x="3346315" y="0"/>
+                </a:lnTo>
+                <a:lnTo>
+                  <a:pt x="5920619" y="0"/>
+                </a:lnTo>
+                <a:lnTo>
+                  <a:pt x="4936971" y="2130951"/>
+                </a:lnTo>
+                <a:lnTo>
+                  <a:pt x="0" y="2130951"/>
+                </a:lnTo>
+                <a:close/>
+              </a:path>
+            </a:pathLst>
+          </a:custGeom>
+          <a:solidFill>
+            <a:srgbClr val="595959"/>
+          </a:solidFill>
+          <a:ln>
+            <a:noFill/>
+          </a:ln>
+        </p:spPr>
+        <p:style>
+          <a:lnRef idx="2">
+            <a:schemeClr val="accent1">
+              <a:shade val="50000"/>
+            </a:schemeClr>
+          </a:lnRef>
+          <a:fillRef idx="1">
+            <a:schemeClr val="accent1"/>
+          </a:fillRef>
+          <a:effectRef idx="0">
+            <a:schemeClr val="accent1"/>
+          </a:effectRef>
+          <a:fontRef idx="minor">
+            <a:schemeClr val="lt1"/>
+          </a:fontRef>
+        </p:style>
+        <p:txBody>
+          <a:bodyPr wrap="square" rtlCol="0" anchor="ctr">
+            <a:noAutofit/>
+          </a:bodyPr>
+          <a:lstStyle/>
+          <a:p>
+            <a:pPr algn="ctr"/>
+            <a:endParaRPr lang="en-US"/>
+          </a:p>
+        </p:txBody>
+      </p:sp>
+      <p:sp>
+        <p:nvSpPr>
+          <p:cNvPr id="10" name="Freeform 21">
+            <a:extLst>
+              <a:ext uri="{FF2B5EF4-FFF2-40B4-BE49-F238E27FC236}">
+                <a16:creationId xmlns:a16="http://schemas.microsoft.com/office/drawing/2014/main" id="{85872F57-7F42-4F97-8391-DDC8D0054C03}"/>
+              </a:ext>
+              <a:ext uri="{C183D7F6-B498-43B3-948B-1728B52AA6E4}">
+                <adec:decorative xmlns:adec="http://schemas.microsoft.com/office/drawing/2017/decorative" val="1"/>
+              </a:ext>
+            </a:extLst>
+          </p:cNvPr>
+          <p:cNvSpPr>
+            <a:spLocks noGrp="1" noRot="1" noChangeAspect="1" noMove="1" noResize="1" noEditPoints="1" noAdjustHandles="1" noChangeArrowheads="1" noChangeShapeType="1" noTextEdit="1"/>
+          </p:cNvSpPr>
+          <p:nvPr>
+            <p:extLst>
+              <p:ext uri="{386F3935-93C4-4BCD-93E2-E3B085C9AB24}">
+                <p16:designElem xmlns:p16="http://schemas.microsoft.com/office/powerpoint/2015/main" val="1"/>
+              </p:ext>
+            </p:extLst>
+          </p:nvPr>
+        </p:nvSpPr>
+        <p:spPr>
+          <a:xfrm>
+            <a:off x="5097839" y="0"/>
+            <a:ext cx="7094160" cy="2130952"/>
+          </a:xfrm>
+          <a:custGeom>
+            <a:avLst/>
+            <a:gdLst>
+              <a:gd name="connsiteX0" fmla="*/ 4417853 w 7094160"/>
+              <a:gd name="connsiteY0" fmla="*/ 0 h 2130952"/>
+              <a:gd name="connsiteX1" fmla="*/ 7094160 w 7094160"/>
+              <a:gd name="connsiteY1" fmla="*/ 0 h 2130952"/>
+              <a:gd name="connsiteX2" fmla="*/ 7094160 w 7094160"/>
+              <a:gd name="connsiteY2" fmla="*/ 2130552 h 2130952"/>
+              <a:gd name="connsiteX3" fmla="*/ 5920619 w 7094160"/>
+              <a:gd name="connsiteY3" fmla="*/ 2130552 h 2130952"/>
+              <a:gd name="connsiteX4" fmla="*/ 5920619 w 7094160"/>
+              <a:gd name="connsiteY4" fmla="*/ 2130952 h 2130952"/>
+              <a:gd name="connsiteX5" fmla="*/ 2729249 w 7094160"/>
+              <a:gd name="connsiteY5" fmla="*/ 2130952 h 2130952"/>
+              <a:gd name="connsiteX6" fmla="*/ 2574304 w 7094160"/>
+              <a:gd name="connsiteY6" fmla="*/ 2130952 h 2130952"/>
+              <a:gd name="connsiteX7" fmla="*/ 0 w 7094160"/>
+              <a:gd name="connsiteY7" fmla="*/ 2130952 h 2130952"/>
+              <a:gd name="connsiteX8" fmla="*/ 983648 w 7094160"/>
+              <a:gd name="connsiteY8" fmla="*/ 1 h 2130952"/>
+              <a:gd name="connsiteX9" fmla="*/ 4417853 w 7094160"/>
+              <a:gd name="connsiteY9" fmla="*/ 1 h 2130952"/>
+            </a:gdLst>
+            <a:ahLst/>
+            <a:cxnLst>
+              <a:cxn ang="0">
+                <a:pos x="connsiteX0" y="connsiteY0"/>
+              </a:cxn>
+              <a:cxn ang="0">
+                <a:pos x="connsiteX1" y="connsiteY1"/>
+              </a:cxn>
+              <a:cxn ang="0">
+                <a:pos x="connsiteX2" y="connsiteY2"/>
+              </a:cxn>
+              <a:cxn ang="0">
+                <a:pos x="connsiteX3" y="connsiteY3"/>
+              </a:cxn>
+              <a:cxn ang="0">
+                <a:pos x="connsiteX4" y="connsiteY4"/>
+              </a:cxn>
+              <a:cxn ang="0">
+                <a:pos x="connsiteX5" y="connsiteY5"/>
+              </a:cxn>
+              <a:cxn ang="0">
+                <a:pos x="connsiteX6" y="connsiteY6"/>
+              </a:cxn>
+              <a:cxn ang="0">
+                <a:pos x="connsiteX7" y="connsiteY7"/>
+              </a:cxn>
+              <a:cxn ang="0">
+                <a:pos x="connsiteX8" y="connsiteY8"/>
+              </a:cxn>
+              <a:cxn ang="0">
+                <a:pos x="connsiteX9" y="connsiteY9"/>
+              </a:cxn>
+            </a:cxnLst>
+            <a:rect l="l" t="t" r="r" b="b"/>
+            <a:pathLst>
+              <a:path w="7094160" h="2130952">
+                <a:moveTo>
+                  <a:pt x="4417853" y="0"/>
+                </a:moveTo>
+                <a:lnTo>
+                  <a:pt x="7094160" y="0"/>
+                </a:lnTo>
+                <a:lnTo>
+                  <a:pt x="7094160" y="2130552"/>
+                </a:lnTo>
+                <a:lnTo>
+                  <a:pt x="5920619" y="2130552"/>
+                </a:lnTo>
+                <a:lnTo>
+                  <a:pt x="5920619" y="2130952"/>
+                </a:lnTo>
+                <a:lnTo>
+                  <a:pt x="2729249" y="2130952"/>
+                </a:lnTo>
+                <a:lnTo>
+                  <a:pt x="2574304" y="2130952"/>
+                </a:lnTo>
+                <a:lnTo>
+                  <a:pt x="0" y="2130952"/>
+                </a:lnTo>
+                <a:lnTo>
+                  <a:pt x="983648" y="1"/>
+                </a:lnTo>
+                <a:lnTo>
+                  <a:pt x="4417853" y="1"/>
+                </a:lnTo>
+                <a:close/>
+              </a:path>
+            </a:pathLst>
+          </a:custGeom>
+          <a:solidFill>
+            <a:srgbClr val="7F7F7F">
+              <a:alpha val="40000"/>
+            </a:srgbClr>
+          </a:solidFill>
+          <a:ln>
+            <a:noFill/>
+          </a:ln>
+        </p:spPr>
+        <p:style>
+          <a:lnRef idx="2">
+            <a:schemeClr val="accent1">
+              <a:shade val="50000"/>
+            </a:schemeClr>
+          </a:lnRef>
+          <a:fillRef idx="1">
+            <a:schemeClr val="accent1"/>
+          </a:fillRef>
+          <a:effectRef idx="0">
+            <a:schemeClr val="accent1"/>
+          </a:effectRef>
+          <a:fontRef idx="minor">
+            <a:schemeClr val="lt1"/>
+          </a:fontRef>
+        </p:style>
+        <p:txBody>
+          <a:bodyPr rtlCol="0" anchor="ctr"/>
+          <a:lstStyle/>
+          <a:p>
+            <a:pPr algn="ctr"/>
+            <a:endParaRPr lang="en-US"/>
+          </a:p>
+        </p:txBody>
+      </p:sp>
+      <p:sp useBgFill="1">
+        <p:nvSpPr>
+          <p:cNvPr id="12" name="Freeform: Shape 11">
+            <a:extLst>
+              <a:ext uri="{FF2B5EF4-FFF2-40B4-BE49-F238E27FC236}">
+                <a16:creationId xmlns:a16="http://schemas.microsoft.com/office/drawing/2014/main" id="{04DC2037-48A0-4F22-B9D4-8EAEBC780AB4}"/>
+              </a:ext>
+              <a:ext uri="{C183D7F6-B498-43B3-948B-1728B52AA6E4}">
+                <adec:decorative xmlns:adec="http://schemas.microsoft.com/office/drawing/2017/decorative" val="1"/>
+              </a:ext>
+            </a:extLst>
+          </p:cNvPr>
+          <p:cNvSpPr>
+            <a:spLocks noGrp="1" noRot="1" noChangeAspect="1" noMove="1" noResize="1" noEditPoints="1" noAdjustHandles="1" noChangeArrowheads="1" noChangeShapeType="1" noTextEdit="1"/>
+          </p:cNvSpPr>
+          <p:nvPr>
+            <p:extLst>
+              <p:ext uri="{386F3935-93C4-4BCD-93E2-E3B085C9AB24}">
+                <p16:designElem xmlns:p16="http://schemas.microsoft.com/office/powerpoint/2015/main" val="1"/>
+              </p:ext>
+            </p:extLst>
+          </p:nvPr>
+        </p:nvSpPr>
+        <p:spPr>
+          <a:xfrm flipH="1">
+            <a:off x="6149721" y="4682920"/>
+            <a:ext cx="4522796" cy="2175080"/>
+          </a:xfrm>
+          <a:custGeom>
+            <a:avLst/>
+            <a:gdLst>
+              <a:gd name="connsiteX0" fmla="*/ 3515449 w 4522796"/>
+              <a:gd name="connsiteY0" fmla="*/ 0 h 2175080"/>
+              <a:gd name="connsiteX1" fmla="*/ 0 w 4522796"/>
+              <a:gd name="connsiteY1" fmla="*/ 0 h 2175080"/>
+              <a:gd name="connsiteX2" fmla="*/ 0 w 4522796"/>
+              <a:gd name="connsiteY2" fmla="*/ 2175080 h 2175080"/>
+              <a:gd name="connsiteX3" fmla="*/ 4522796 w 4522796"/>
+              <a:gd name="connsiteY3" fmla="*/ 2175080 h 2175080"/>
+            </a:gdLst>
+            <a:ahLst/>
+            <a:cxnLst>
+              <a:cxn ang="0">
+                <a:pos x="connsiteX0" y="connsiteY0"/>
+              </a:cxn>
+              <a:cxn ang="0">
+                <a:pos x="connsiteX1" y="connsiteY1"/>
+              </a:cxn>
+              <a:cxn ang="0">
+                <a:pos x="connsiteX2" y="connsiteY2"/>
+              </a:cxn>
+              <a:cxn ang="0">
+                <a:pos x="connsiteX3" y="connsiteY3"/>
+              </a:cxn>
+            </a:cxnLst>
+            <a:rect l="l" t="t" r="r" b="b"/>
+            <a:pathLst>
+              <a:path w="4522796" h="2175080">
+                <a:moveTo>
+                  <a:pt x="3515449" y="0"/>
+                </a:moveTo>
+                <a:lnTo>
+                  <a:pt x="0" y="0"/>
+                </a:lnTo>
+                <a:lnTo>
+                  <a:pt x="0" y="2175080"/>
+                </a:lnTo>
+                <a:lnTo>
+                  <a:pt x="4522796" y="2175080"/>
+                </a:lnTo>
+                <a:close/>
+              </a:path>
+            </a:pathLst>
+          </a:custGeom>
+          <a:ln>
+            <a:noFill/>
+          </a:ln>
+        </p:spPr>
+        <p:style>
+          <a:lnRef idx="2">
+            <a:schemeClr val="accent1">
+              <a:shade val="50000"/>
+            </a:schemeClr>
+          </a:lnRef>
+          <a:fillRef idx="1">
+            <a:schemeClr val="accent1"/>
+          </a:fillRef>
+          <a:effectRef idx="0">
+            <a:schemeClr val="accent1"/>
+          </a:effectRef>
+          <a:fontRef idx="minor">
+            <a:schemeClr val="lt1"/>
+          </a:fontRef>
+        </p:style>
+        <p:txBody>
+          <a:bodyPr wrap="square" rtlCol="0" anchor="ctr">
+            <a:noAutofit/>
+          </a:bodyPr>
+          <a:lstStyle/>
+          <a:p>
+            <a:pPr algn="ctr"/>
+            <a:endParaRPr lang="en-US" b="1"/>
+          </a:p>
+        </p:txBody>
+      </p:sp>
+      <p:sp>
+        <p:nvSpPr>
+          <p:cNvPr id="14" name="Freeform 22">
+            <a:extLst>
+              <a:ext uri="{FF2B5EF4-FFF2-40B4-BE49-F238E27FC236}">
+                <a16:creationId xmlns:a16="http://schemas.microsoft.com/office/drawing/2014/main" id="{0006CBFD-ADA0-43D1-9332-9C34CA1C76ED}"/>
+              </a:ext>
+              <a:ext uri="{C183D7F6-B498-43B3-948B-1728B52AA6E4}">
+                <adec:decorative xmlns:adec="http://schemas.microsoft.com/office/drawing/2017/decorative" val="1"/>
+              </a:ext>
+            </a:extLst>
+          </p:cNvPr>
+          <p:cNvSpPr>
+            <a:spLocks noGrp="1" noRot="1" noChangeAspect="1" noMove="1" noResize="1" noEditPoints="1" noAdjustHandles="1" noChangeArrowheads="1" noChangeShapeType="1" noTextEdit="1"/>
+          </p:cNvSpPr>
+          <p:nvPr>
+            <p:extLst>
+              <p:ext uri="{386F3935-93C4-4BCD-93E2-E3B085C9AB24}">
+                <p16:designElem xmlns:p16="http://schemas.microsoft.com/office/powerpoint/2015/main" val="1"/>
+              </p:ext>
+            </p:extLst>
+          </p:nvPr>
+        </p:nvSpPr>
+        <p:spPr>
+          <a:xfrm>
+            <a:off x="6266810" y="4682920"/>
+            <a:ext cx="5925190" cy="2175080"/>
+          </a:xfrm>
+          <a:custGeom>
+            <a:avLst/>
+            <a:gdLst>
+              <a:gd name="connsiteX0" fmla="*/ 1007347 w 5925190"/>
+              <a:gd name="connsiteY0" fmla="*/ 0 h 2175080"/>
+              <a:gd name="connsiteX1" fmla="*/ 5925190 w 5925190"/>
+              <a:gd name="connsiteY1" fmla="*/ 0 h 2175080"/>
+              <a:gd name="connsiteX2" fmla="*/ 5925190 w 5925190"/>
+              <a:gd name="connsiteY2" fmla="*/ 2175080 h 2175080"/>
+              <a:gd name="connsiteX3" fmla="*/ 0 w 5925190"/>
+              <a:gd name="connsiteY3" fmla="*/ 2175080 h 2175080"/>
+            </a:gdLst>
+            <a:ahLst/>
+            <a:cxnLst>
+              <a:cxn ang="0">
+                <a:pos x="connsiteX0" y="connsiteY0"/>
+              </a:cxn>
+              <a:cxn ang="0">
+                <a:pos x="connsiteX1" y="connsiteY1"/>
+              </a:cxn>
+              <a:cxn ang="0">
+                <a:pos x="connsiteX2" y="connsiteY2"/>
+              </a:cxn>
+              <a:cxn ang="0">
+                <a:pos x="connsiteX3" y="connsiteY3"/>
+              </a:cxn>
+            </a:cxnLst>
+            <a:rect l="l" t="t" r="r" b="b"/>
+            <a:pathLst>
+              <a:path w="5925190" h="2175080">
+                <a:moveTo>
+                  <a:pt x="1007347" y="0"/>
+                </a:moveTo>
+                <a:lnTo>
+                  <a:pt x="5925190" y="0"/>
+                </a:lnTo>
+                <a:lnTo>
+                  <a:pt x="5925190" y="2175080"/>
+                </a:lnTo>
+                <a:lnTo>
+                  <a:pt x="0" y="2175080"/>
+                </a:lnTo>
+                <a:close/>
+              </a:path>
+            </a:pathLst>
+          </a:custGeom>
+          <a:solidFill>
+            <a:schemeClr val="accent4"/>
+          </a:solidFill>
+          <a:ln>
+            <a:noFill/>
+          </a:ln>
+        </p:spPr>
+        <p:style>
+          <a:lnRef idx="2">
+            <a:schemeClr val="accent1">
+              <a:shade val="50000"/>
+            </a:schemeClr>
+          </a:lnRef>
+          <a:fillRef idx="1">
+            <a:schemeClr val="accent1"/>
+          </a:fillRef>
+          <a:effectRef idx="0">
+            <a:schemeClr val="accent1"/>
+          </a:effectRef>
+          <a:fontRef idx="minor">
+            <a:schemeClr val="lt1"/>
+          </a:fontRef>
+        </p:style>
+        <p:txBody>
+          <a:bodyPr wrap="square" rtlCol="0" anchor="ctr">
+            <a:noAutofit/>
+          </a:bodyPr>
+          <a:lstStyle/>
+          <a:p>
+            <a:pPr algn="ctr"/>
+            <a:endParaRPr lang="en-US"/>
+          </a:p>
+        </p:txBody>
+      </p:sp>
+      <p:sp>
+        <p:nvSpPr>
+          <p:cNvPr id="16" name="Freeform 25">
+            <a:extLst>
+              <a:ext uri="{FF2B5EF4-FFF2-40B4-BE49-F238E27FC236}">
+                <a16:creationId xmlns:a16="http://schemas.microsoft.com/office/drawing/2014/main" id="{2B931666-F28F-45F3-A074-66D2272D580B}"/>
+              </a:ext>
+              <a:ext uri="{C183D7F6-B498-43B3-948B-1728B52AA6E4}">
+                <adec:decorative xmlns:adec="http://schemas.microsoft.com/office/drawing/2017/decorative" val="1"/>
+              </a:ext>
+            </a:extLst>
+          </p:cNvPr>
+          <p:cNvSpPr>
+            <a:spLocks noGrp="1" noRot="1" noChangeAspect="1" noMove="1" noResize="1" noEditPoints="1" noAdjustHandles="1" noChangeArrowheads="1" noChangeShapeType="1" noTextEdit="1"/>
+          </p:cNvSpPr>
+          <p:nvPr>
+            <p:extLst>
+              <p:ext uri="{386F3935-93C4-4BCD-93E2-E3B085C9AB24}">
+                <p16:designElem xmlns:p16="http://schemas.microsoft.com/office/powerpoint/2015/main" val="1"/>
+              </p:ext>
+            </p:extLst>
+          </p:nvPr>
+        </p:nvSpPr>
+        <p:spPr>
+          <a:xfrm>
+            <a:off x="0" y="4682920"/>
+            <a:ext cx="7114535" cy="2175080"/>
+          </a:xfrm>
+          <a:custGeom>
+            <a:avLst/>
+            <a:gdLst>
+              <a:gd name="connsiteX0" fmla="*/ 0 w 7114535"/>
+              <a:gd name="connsiteY0" fmla="*/ 0 h 2175080"/>
+              <a:gd name="connsiteX1" fmla="*/ 1189345 w 7114535"/>
+              <a:gd name="connsiteY1" fmla="*/ 0 h 2175080"/>
+              <a:gd name="connsiteX2" fmla="*/ 7114535 w 7114535"/>
+              <a:gd name="connsiteY2" fmla="*/ 0 h 2175080"/>
+              <a:gd name="connsiteX3" fmla="*/ 6107188 w 7114535"/>
+              <a:gd name="connsiteY3" fmla="*/ 2175080 h 2175080"/>
+              <a:gd name="connsiteX4" fmla="*/ 1189345 w 7114535"/>
+              <a:gd name="connsiteY4" fmla="*/ 2175080 h 2175080"/>
+              <a:gd name="connsiteX5" fmla="*/ 0 w 7114535"/>
+              <a:gd name="connsiteY5" fmla="*/ 2175080 h 2175080"/>
+            </a:gdLst>
+            <a:ahLst/>
+            <a:cxnLst>
+              <a:cxn ang="0">
+                <a:pos x="connsiteX0" y="connsiteY0"/>
+              </a:cxn>
+              <a:cxn ang="0">
+                <a:pos x="connsiteX1" y="connsiteY1"/>
+              </a:cxn>
+              <a:cxn ang="0">
+                <a:pos x="connsiteX2" y="connsiteY2"/>
+              </a:cxn>
+              <a:cxn ang="0">
+                <a:pos x="connsiteX3" y="connsiteY3"/>
+              </a:cxn>
+              <a:cxn ang="0">
+                <a:pos x="connsiteX4" y="connsiteY4"/>
+              </a:cxn>
+              <a:cxn ang="0">
+                <a:pos x="connsiteX5" y="connsiteY5"/>
+              </a:cxn>
+            </a:cxnLst>
+            <a:rect l="l" t="t" r="r" b="b"/>
+            <a:pathLst>
+              <a:path w="7114535" h="2175080">
+                <a:moveTo>
+                  <a:pt x="0" y="0"/>
+                </a:moveTo>
+                <a:lnTo>
+                  <a:pt x="1189345" y="0"/>
+                </a:lnTo>
+                <a:lnTo>
+                  <a:pt x="7114535" y="0"/>
+                </a:lnTo>
+                <a:lnTo>
+                  <a:pt x="6107188" y="2175080"/>
+                </a:lnTo>
+                <a:lnTo>
+                  <a:pt x="1189345" y="2175080"/>
+                </a:lnTo>
+                <a:lnTo>
+                  <a:pt x="0" y="2175080"/>
+                </a:lnTo>
+                <a:close/>
+              </a:path>
+            </a:pathLst>
+          </a:custGeom>
+          <a:solidFill>
+            <a:srgbClr val="7F7F7F">
+              <a:alpha val="40000"/>
+            </a:srgbClr>
+          </a:solidFill>
+          <a:ln>
+            <a:noFill/>
+          </a:ln>
+        </p:spPr>
+        <p:style>
+          <a:lnRef idx="2">
+            <a:schemeClr val="accent1">
+              <a:shade val="50000"/>
+            </a:schemeClr>
+          </a:lnRef>
+          <a:fillRef idx="1">
+            <a:schemeClr val="accent1"/>
+          </a:fillRef>
+          <a:effectRef idx="0">
+            <a:schemeClr val="accent1"/>
+          </a:effectRef>
+          <a:fontRef idx="minor">
+            <a:schemeClr val="lt1"/>
+          </a:fontRef>
+        </p:style>
+        <p:txBody>
+          <a:bodyPr rtlCol="0" anchor="ctr"/>
+          <a:lstStyle/>
+          <a:p>
+            <a:pPr algn="ctr"/>
+            <a:endParaRPr lang="en-US"/>
+          </a:p>
+        </p:txBody>
+      </p:sp>
+      <p:sp>
+        <p:nvSpPr>
+          <p:cNvPr id="9" name="Content Placeholder 2">
+            <a:extLst>
+              <a:ext uri="{FF2B5EF4-FFF2-40B4-BE49-F238E27FC236}">
+                <a16:creationId xmlns:a16="http://schemas.microsoft.com/office/drawing/2014/main" id="{AECBAA96-4F36-475A-9004-7F91EA027637}"/>
+              </a:ext>
+            </a:extLst>
+          </p:cNvPr>
+          <p:cNvSpPr txBox="1">
+            <a:spLocks/>
+          </p:cNvSpPr>
+          <p:nvPr/>
+        </p:nvSpPr>
+        <p:spPr>
+          <a:xfrm>
+            <a:off x="1237610" y="626724"/>
+            <a:ext cx="10058400" cy="678094"/>
+          </a:xfrm>
+          <a:prstGeom prst="rect">
+            <a:avLst/>
+          </a:prstGeom>
+        </p:spPr>
+        <p:txBody>
+          <a:bodyPr vert="horz" lIns="91440" tIns="45720" rIns="91440" bIns="45720" rtlCol="0">
+            <a:normAutofit/>
+          </a:bodyPr>
+          <a:lstStyle>
+            <a:lvl1pPr marL="228600" indent="-228600" algn="l" defTabSz="914400" rtl="0" eaLnBrk="1" latinLnBrk="0" hangingPunct="1">
+              <a:lnSpc>
+                <a:spcPct val="90000"/>
+              </a:lnSpc>
+              <a:spcBef>
+                <a:spcPts val="1000"/>
+              </a:spcBef>
+              <a:buFont typeface="Arial" panose="020B0604020202020204" pitchFamily="34" charset="0"/>
+              <a:buChar char="•"/>
+              <a:defRPr sz="2800" kern="1200">
+                <a:solidFill>
+                  <a:schemeClr val="tx1"/>
+                </a:solidFill>
+                <a:latin typeface="+mn-lt"/>
+                <a:ea typeface="+mn-ea"/>
+                <a:cs typeface="+mn-cs"/>
+              </a:defRPr>
+            </a:lvl1pPr>
+            <a:lvl2pPr marL="685800" indent="-228600" algn="l" defTabSz="914400" rtl="0" eaLnBrk="1" latinLnBrk="0" hangingPunct="1">
+              <a:lnSpc>
+                <a:spcPct val="90000"/>
+              </a:lnSpc>
+              <a:spcBef>
+                <a:spcPts val="500"/>
+              </a:spcBef>
+              <a:buFont typeface="Arial" panose="020B0604020202020204" pitchFamily="34" charset="0"/>
+              <a:buChar char="•"/>
+              <a:defRPr sz="2400" kern="1200">
+                <a:solidFill>
+                  <a:schemeClr val="tx1"/>
+                </a:solidFill>
+                <a:latin typeface="+mn-lt"/>
+                <a:ea typeface="+mn-ea"/>
+                <a:cs typeface="+mn-cs"/>
+              </a:defRPr>
+            </a:lvl2pPr>
+            <a:lvl3pPr marL="1143000" indent="-228600" algn="l" defTabSz="914400" rtl="0" eaLnBrk="1" latinLnBrk="0" hangingPunct="1">
+              <a:lnSpc>
+                <a:spcPct val="90000"/>
+              </a:lnSpc>
+              <a:spcBef>
+                <a:spcPts val="500"/>
+              </a:spcBef>
+              <a:buFont typeface="Arial" panose="020B0604020202020204" pitchFamily="34" charset="0"/>
+              <a:buChar char="•"/>
+              <a:defRPr sz="2000" kern="1200">
+                <a:solidFill>
+                  <a:schemeClr val="tx1"/>
+                </a:solidFill>
+                <a:latin typeface="+mn-lt"/>
+                <a:ea typeface="+mn-ea"/>
+                <a:cs typeface="+mn-cs"/>
+              </a:defRPr>
+            </a:lvl3pPr>
+            <a:lvl4pPr marL="1600200" indent="-228600" algn="l" defTabSz="914400" rtl="0" eaLnBrk="1" latinLnBrk="0" hangingPunct="1">
+              <a:lnSpc>
+                <a:spcPct val="90000"/>
+              </a:lnSpc>
+              <a:spcBef>
+                <a:spcPts val="500"/>
+              </a:spcBef>
+              <a:buFont typeface="Arial" panose="020B0604020202020204" pitchFamily="34" charset="0"/>
+              <a:buChar char="•"/>
+              <a:defRPr sz="1800" kern="1200">
+                <a:solidFill>
+                  <a:schemeClr val="tx1"/>
+                </a:solidFill>
+                <a:latin typeface="+mn-lt"/>
+                <a:ea typeface="+mn-ea"/>
+                <a:cs typeface="+mn-cs"/>
+              </a:defRPr>
+            </a:lvl4pPr>
+            <a:lvl5pPr marL="2057400" indent="-228600" algn="l" defTabSz="914400" rtl="0" eaLnBrk="1" latinLnBrk="0" hangingPunct="1">
+              <a:lnSpc>
+                <a:spcPct val="90000"/>
+              </a:lnSpc>
+              <a:spcBef>
+                <a:spcPts val="500"/>
+              </a:spcBef>
+              <a:buFont typeface="Arial" panose="020B0604020202020204" pitchFamily="34" charset="0"/>
+              <a:buChar char="•"/>
+              <a:defRPr sz="1800" kern="1200">
+                <a:solidFill>
+                  <a:schemeClr val="tx1"/>
+                </a:solidFill>
+                <a:latin typeface="+mn-lt"/>
+                <a:ea typeface="+mn-ea"/>
+                <a:cs typeface="+mn-cs"/>
+              </a:defRPr>
+            </a:lvl5pPr>
+            <a:lvl6pPr marL="2514600" indent="-228600" algn="l" defTabSz="914400" rtl="0" eaLnBrk="1" latinLnBrk="0" hangingPunct="1">
+              <a:lnSpc>
+                <a:spcPct val="90000"/>
+              </a:lnSpc>
+              <a:spcBef>
+                <a:spcPts val="500"/>
+              </a:spcBef>
+              <a:buFont typeface="Arial" panose="020B0604020202020204" pitchFamily="34" charset="0"/>
+              <a:buChar char="•"/>
+              <a:defRPr sz="1800" kern="1200">
+                <a:solidFill>
+                  <a:schemeClr val="tx1"/>
+                </a:solidFill>
+                <a:latin typeface="+mn-lt"/>
+                <a:ea typeface="+mn-ea"/>
+                <a:cs typeface="+mn-cs"/>
+              </a:defRPr>
+            </a:lvl6pPr>
+            <a:lvl7pPr marL="2971800" indent="-228600" algn="l" defTabSz="914400" rtl="0" eaLnBrk="1" latinLnBrk="0" hangingPunct="1">
+              <a:lnSpc>
+                <a:spcPct val="90000"/>
+              </a:lnSpc>
+              <a:spcBef>
+                <a:spcPts val="500"/>
+              </a:spcBef>
+              <a:buFont typeface="Arial" panose="020B0604020202020204" pitchFamily="34" charset="0"/>
+              <a:buChar char="•"/>
+              <a:defRPr sz="1800" kern="1200">
+                <a:solidFill>
+                  <a:schemeClr val="tx1"/>
+                </a:solidFill>
+                <a:latin typeface="+mn-lt"/>
+                <a:ea typeface="+mn-ea"/>
+                <a:cs typeface="+mn-cs"/>
+              </a:defRPr>
+            </a:lvl7pPr>
+            <a:lvl8pPr marL="3429000" indent="-228600" algn="l" defTabSz="914400" rtl="0" eaLnBrk="1" latinLnBrk="0" hangingPunct="1">
+              <a:lnSpc>
+                <a:spcPct val="90000"/>
+              </a:lnSpc>
+              <a:spcBef>
+                <a:spcPts val="500"/>
+              </a:spcBef>
+              <a:buFont typeface="Arial" panose="020B0604020202020204" pitchFamily="34" charset="0"/>
+              <a:buChar char="•"/>
+              <a:defRPr sz="1800" kern="1200">
+                <a:solidFill>
+                  <a:schemeClr val="tx1"/>
+                </a:solidFill>
+                <a:latin typeface="+mn-lt"/>
+                <a:ea typeface="+mn-ea"/>
+                <a:cs typeface="+mn-cs"/>
+              </a:defRPr>
+            </a:lvl8pPr>
+            <a:lvl9pPr marL="3886200" indent="-228600" algn="l" defTabSz="914400" rtl="0" eaLnBrk="1" latinLnBrk="0" hangingPunct="1">
+              <a:lnSpc>
+                <a:spcPct val="90000"/>
+              </a:lnSpc>
+              <a:spcBef>
+                <a:spcPts val="500"/>
+              </a:spcBef>
+              <a:buFont typeface="Arial" panose="020B0604020202020204" pitchFamily="34" charset="0"/>
+              <a:buChar char="•"/>
+              <a:defRPr sz="1800" kern="1200">
+                <a:solidFill>
+                  <a:schemeClr val="tx1"/>
+                </a:solidFill>
+                <a:latin typeface="+mn-lt"/>
+                <a:ea typeface="+mn-ea"/>
+                <a:cs typeface="+mn-cs"/>
+              </a:defRPr>
+            </a:lvl9pPr>
+          </a:lstStyle>
+          <a:p>
+            <a:pPr marL="0" indent="0" algn="r">
+              <a:buFont typeface="Arial" panose="020B0604020202020204" pitchFamily="34" charset="0"/>
+              <a:buNone/>
+            </a:pPr>
+            <a:r>
+              <a:rPr lang="en-US" sz="3600" b="1" dirty="0"/>
+              <a:t>Application Solution</a:t>
+            </a:r>
+          </a:p>
+        </p:txBody>
+      </p:sp>
     </p:spTree>
     <p:extLst>
       <p:ext uri="{BB962C8B-B14F-4D97-AF65-F5344CB8AC3E}">
         <p14:creationId xmlns:p14="http://schemas.microsoft.com/office/powerpoint/2010/main" val="3235129520"/>
+      </p:ext>
+    </p:extLst>
+  </p:cSld>
+  <p:clrMapOvr>
+    <a:masterClrMapping/>
+  </p:clrMapOvr>
+</p:sld>
+</file>
+
+<file path=ppt/slides/slide20.xml><?xml version="1.0" encoding="utf-8"?>
+<p:sld xmlns:a="http://schemas.openxmlformats.org/drawingml/2006/main" xmlns:r="http://schemas.openxmlformats.org/officeDocument/2006/relationships" xmlns:p="http://schemas.openxmlformats.org/presentationml/2006/main">
+  <p:cSld>
+    <p:bg>
+      <p:bgPr>
+        <a:solidFill>
+          <a:schemeClr val="bg1"/>
+        </a:solidFill>
+        <a:effectLst/>
+      </p:bgPr>
+    </p:bg>
+    <p:spTree>
+      <p:nvGrpSpPr>
+        <p:cNvPr id="1" name=""/>
+        <p:cNvGrpSpPr/>
+        <p:nvPr/>
+      </p:nvGrpSpPr>
+      <p:grpSpPr>
+        <a:xfrm>
+          <a:off x="0" y="0"/>
+          <a:ext cx="0" cy="0"/>
+          <a:chOff x="0" y="0"/>
+          <a:chExt cx="0" cy="0"/>
+        </a:xfrm>
+      </p:grpSpPr>
+      <p:sp useBgFill="1">
+        <p:nvSpPr>
+          <p:cNvPr id="10" name="Rectangle 9">
+            <a:extLst>
+              <a:ext uri="{FF2B5EF4-FFF2-40B4-BE49-F238E27FC236}">
+                <a16:creationId xmlns:a16="http://schemas.microsoft.com/office/drawing/2014/main" id="{E45B1D5C-0827-4AF0-8186-11FC5A8B8B92}"/>
+              </a:ext>
+              <a:ext uri="{C183D7F6-B498-43B3-948B-1728B52AA6E4}">
+                <adec:decorative xmlns:adec="http://schemas.microsoft.com/office/drawing/2017/decorative" val="1"/>
+              </a:ext>
+            </a:extLst>
+          </p:cNvPr>
+          <p:cNvSpPr>
+            <a:spLocks noGrp="1" noRot="1" noChangeAspect="1" noMove="1" noResize="1" noEditPoints="1" noAdjustHandles="1" noChangeArrowheads="1" noChangeShapeType="1" noTextEdit="1"/>
+          </p:cNvSpPr>
+          <p:nvPr>
+            <p:extLst>
+              <p:ext uri="{386F3935-93C4-4BCD-93E2-E3B085C9AB24}">
+                <p16:designElem xmlns:p16="http://schemas.microsoft.com/office/powerpoint/2015/main" val="1"/>
+              </p:ext>
+            </p:extLst>
+          </p:nvPr>
+        </p:nvSpPr>
+        <p:spPr>
+          <a:xfrm>
+            <a:off x="0" y="0"/>
+            <a:ext cx="12191999" cy="6857365"/>
+          </a:xfrm>
+          <a:prstGeom prst="rect">
+            <a:avLst/>
+          </a:prstGeom>
+          <a:ln>
+            <a:noFill/>
+          </a:ln>
+        </p:spPr>
+        <p:style>
+          <a:lnRef idx="2">
+            <a:schemeClr val="accent1">
+              <a:shade val="50000"/>
+            </a:schemeClr>
+          </a:lnRef>
+          <a:fillRef idx="1">
+            <a:schemeClr val="accent1"/>
+          </a:fillRef>
+          <a:effectRef idx="0">
+            <a:schemeClr val="accent1"/>
+          </a:effectRef>
+          <a:fontRef idx="minor">
+            <a:schemeClr val="lt1"/>
+          </a:fontRef>
+        </p:style>
+        <p:txBody>
+          <a:bodyPr rtlCol="0" anchor="ctr"/>
+          <a:lstStyle/>
+          <a:p>
+            <a:pPr algn="ctr"/>
+            <a:endParaRPr lang="en-US"/>
+          </a:p>
+        </p:txBody>
+      </p:sp>
+      <p:sp>
+        <p:nvSpPr>
+          <p:cNvPr id="2" name="Title 1">
+            <a:extLst>
+              <a:ext uri="{FF2B5EF4-FFF2-40B4-BE49-F238E27FC236}">
+                <a16:creationId xmlns:a16="http://schemas.microsoft.com/office/drawing/2014/main" id="{2254F9FC-A2E6-4E1D-B358-544D3005C2E5}"/>
+              </a:ext>
+            </a:extLst>
+          </p:cNvPr>
+          <p:cNvSpPr>
+            <a:spLocks noGrp="1"/>
+          </p:cNvSpPr>
+          <p:nvPr>
+            <p:ph type="title"/>
+          </p:nvPr>
+        </p:nvSpPr>
+        <p:spPr>
+          <a:xfrm>
+            <a:off x="9304274" y="2673082"/>
+            <a:ext cx="2469624" cy="1511200"/>
+          </a:xfrm>
+        </p:spPr>
+        <p:txBody>
+          <a:bodyPr vert="horz" lIns="91440" tIns="45720" rIns="91440" bIns="45720" rtlCol="0" anchor="ctr">
+            <a:normAutofit/>
+          </a:bodyPr>
+          <a:lstStyle/>
+          <a:p>
+            <a:r>
+              <a:rPr lang="en-US" sz="3400" dirty="0"/>
+              <a:t>Continuous Deployment</a:t>
+            </a:r>
+          </a:p>
+        </p:txBody>
+      </p:sp>
+      <p:sp>
+        <p:nvSpPr>
+          <p:cNvPr id="12" name="Rectangle 11">
+            <a:extLst>
+              <a:ext uri="{FF2B5EF4-FFF2-40B4-BE49-F238E27FC236}">
+                <a16:creationId xmlns:a16="http://schemas.microsoft.com/office/drawing/2014/main" id="{99413ED5-9ED4-4772-BCE4-2BCAE6B12E35}"/>
+              </a:ext>
+              <a:ext uri="{C183D7F6-B498-43B3-948B-1728B52AA6E4}">
+                <adec:decorative xmlns:adec="http://schemas.microsoft.com/office/drawing/2017/decorative" val="1"/>
+              </a:ext>
+            </a:extLst>
+          </p:cNvPr>
+          <p:cNvSpPr>
+            <a:spLocks noGrp="1" noRot="1" noChangeAspect="1" noMove="1" noResize="1" noEditPoints="1" noAdjustHandles="1" noChangeArrowheads="1" noChangeShapeType="1" noTextEdit="1"/>
+          </p:cNvSpPr>
+          <p:nvPr>
+            <p:extLst>
+              <p:ext uri="{386F3935-93C4-4BCD-93E2-E3B085C9AB24}">
+                <p16:designElem xmlns:p16="http://schemas.microsoft.com/office/powerpoint/2015/main" val="1"/>
+              </p:ext>
+            </p:extLst>
+          </p:nvPr>
+        </p:nvSpPr>
+        <p:spPr>
+          <a:xfrm rot="16200000">
+            <a:off x="3433973" y="-827233"/>
+            <a:ext cx="1715478" cy="8583421"/>
+          </a:xfrm>
+          <a:prstGeom prst="rect">
+            <a:avLst/>
+          </a:prstGeom>
+          <a:solidFill>
+            <a:schemeClr val="accent4"/>
+          </a:solidFill>
+          <a:ln>
+            <a:noFill/>
+          </a:ln>
+        </p:spPr>
+        <p:style>
+          <a:lnRef idx="2">
+            <a:schemeClr val="accent1">
+              <a:shade val="50000"/>
+            </a:schemeClr>
+          </a:lnRef>
+          <a:fillRef idx="1">
+            <a:schemeClr val="accent1"/>
+          </a:fillRef>
+          <a:effectRef idx="0">
+            <a:schemeClr val="accent1"/>
+          </a:effectRef>
+          <a:fontRef idx="minor">
+            <a:schemeClr val="lt1"/>
+          </a:fontRef>
+        </p:style>
+        <p:txBody>
+          <a:bodyPr rtlCol="0" anchor="ctr"/>
+          <a:lstStyle/>
+          <a:p>
+            <a:pPr algn="ctr"/>
+            <a:endParaRPr lang="en-US" dirty="0"/>
+          </a:p>
+        </p:txBody>
+      </p:sp>
+      <p:sp>
+        <p:nvSpPr>
+          <p:cNvPr id="14" name="Rectangle 13">
+            <a:extLst>
+              <a:ext uri="{FF2B5EF4-FFF2-40B4-BE49-F238E27FC236}">
+                <a16:creationId xmlns:a16="http://schemas.microsoft.com/office/drawing/2014/main" id="{04357C93-F0CB-4A1C-8F77-4E9063789819}"/>
+              </a:ext>
+              <a:ext uri="{C183D7F6-B498-43B3-948B-1728B52AA6E4}">
+                <adec:decorative xmlns:adec="http://schemas.microsoft.com/office/drawing/2017/decorative" val="1"/>
+              </a:ext>
+            </a:extLst>
+          </p:cNvPr>
+          <p:cNvSpPr>
+            <a:spLocks noGrp="1" noRot="1" noChangeAspect="1" noMove="1" noResize="1" noEditPoints="1" noAdjustHandles="1" noChangeArrowheads="1" noChangeShapeType="1" noTextEdit="1"/>
+          </p:cNvSpPr>
+          <p:nvPr>
+            <p:extLst>
+              <p:ext uri="{386F3935-93C4-4BCD-93E2-E3B085C9AB24}">
+                <p16:designElem xmlns:p16="http://schemas.microsoft.com/office/powerpoint/2015/main" val="1"/>
+              </p:ext>
+            </p:extLst>
+          </p:nvPr>
+        </p:nvSpPr>
+        <p:spPr>
+          <a:xfrm>
+            <a:off x="302085" y="664308"/>
+            <a:ext cx="8082632" cy="5600340"/>
+          </a:xfrm>
+          <a:prstGeom prst="rect">
+            <a:avLst/>
+          </a:prstGeom>
+          <a:solidFill>
+            <a:schemeClr val="bg1"/>
+          </a:solidFill>
+          <a:ln>
+            <a:noFill/>
+          </a:ln>
+          <a:effectLst>
+            <a:outerShdw blurRad="139700" dist="127000" dir="5400000" algn="t" rotWithShape="0">
+              <a:prstClr val="black">
+                <a:alpha val="15000"/>
+              </a:prstClr>
+            </a:outerShdw>
+          </a:effectLst>
+        </p:spPr>
+        <p:style>
+          <a:lnRef idx="2">
+            <a:schemeClr val="accent1">
+              <a:shade val="50000"/>
+            </a:schemeClr>
+          </a:lnRef>
+          <a:fillRef idx="1">
+            <a:schemeClr val="accent1"/>
+          </a:fillRef>
+          <a:effectRef idx="0">
+            <a:schemeClr val="accent1"/>
+          </a:effectRef>
+          <a:fontRef idx="minor">
+            <a:schemeClr val="lt1"/>
+          </a:fontRef>
+        </p:style>
+        <p:txBody>
+          <a:bodyPr rtlCol="0" anchor="ctr"/>
+          <a:lstStyle/>
+          <a:p>
+            <a:pPr algn="ctr"/>
+            <a:endParaRPr lang="en-US"/>
+          </a:p>
+        </p:txBody>
+      </p:sp>
+      <p:pic>
+        <p:nvPicPr>
+          <p:cNvPr id="5" name="Content Placeholder 4">
+            <a:extLst>
+              <a:ext uri="{FF2B5EF4-FFF2-40B4-BE49-F238E27FC236}">
+                <a16:creationId xmlns:a16="http://schemas.microsoft.com/office/drawing/2014/main" id="{6E66DF57-5DAF-4BD0-8BCC-B192874CEA12}"/>
+              </a:ext>
+            </a:extLst>
+          </p:cNvPr>
+          <p:cNvPicPr>
+            <a:picLocks noGrp="1" noChangeAspect="1"/>
+          </p:cNvPicPr>
+          <p:nvPr>
+            <p:ph sz="half" idx="2"/>
+          </p:nvPr>
+        </p:nvPicPr>
+        <p:blipFill rotWithShape="1">
+          <a:blip r:embed="rId2"/>
+          <a:srcRect l="9806" r="33627" b="-1"/>
+          <a:stretch/>
+        </p:blipFill>
+        <p:spPr>
+          <a:xfrm>
+            <a:off x="545238" y="858525"/>
+            <a:ext cx="7608304" cy="5211906"/>
+          </a:xfrm>
+          <a:prstGeom prst="rect">
+            <a:avLst/>
+          </a:prstGeom>
+        </p:spPr>
+      </p:pic>
+      <p:sp>
+        <p:nvSpPr>
+          <p:cNvPr id="16" name="Rectangle 15">
+            <a:extLst>
+              <a:ext uri="{FF2B5EF4-FFF2-40B4-BE49-F238E27FC236}">
+                <a16:creationId xmlns:a16="http://schemas.microsoft.com/office/drawing/2014/main" id="{90F533E9-6690-41A8-A372-4C6C622D028D}"/>
+              </a:ext>
+              <a:ext uri="{C183D7F6-B498-43B3-948B-1728B52AA6E4}">
+                <adec:decorative xmlns:adec="http://schemas.microsoft.com/office/drawing/2017/decorative" val="1"/>
+              </a:ext>
+            </a:extLst>
+          </p:cNvPr>
+          <p:cNvSpPr>
+            <a:spLocks noGrp="1" noRot="1" noChangeAspect="1" noMove="1" noResize="1" noEditPoints="1" noAdjustHandles="1" noChangeArrowheads="1" noChangeShapeType="1" noTextEdit="1"/>
+          </p:cNvSpPr>
+          <p:nvPr>
+            <p:extLst>
+              <p:ext uri="{386F3935-93C4-4BCD-93E2-E3B085C9AB24}">
+                <p16:designElem xmlns:p16="http://schemas.microsoft.com/office/powerpoint/2015/main" val="1"/>
+              </p:ext>
+            </p:extLst>
+          </p:nvPr>
+        </p:nvSpPr>
+        <p:spPr>
+          <a:xfrm rot="5400000">
+            <a:off x="7950447" y="3392097"/>
+            <a:ext cx="1719072" cy="152382"/>
+          </a:xfrm>
+          <a:prstGeom prst="rect">
+            <a:avLst/>
+          </a:prstGeom>
+          <a:solidFill>
+            <a:schemeClr val="accent4"/>
+          </a:solidFill>
+          <a:ln>
+            <a:noFill/>
+          </a:ln>
+        </p:spPr>
+        <p:style>
+          <a:lnRef idx="2">
+            <a:schemeClr val="accent1">
+              <a:shade val="50000"/>
+            </a:schemeClr>
+          </a:lnRef>
+          <a:fillRef idx="1">
+            <a:schemeClr val="accent1"/>
+          </a:fillRef>
+          <a:effectRef idx="0">
+            <a:schemeClr val="accent1"/>
+          </a:effectRef>
+          <a:fontRef idx="minor">
+            <a:schemeClr val="lt1"/>
+          </a:fontRef>
+        </p:style>
+        <p:txBody>
+          <a:bodyPr rtlCol="0" anchor="ctr"/>
+          <a:lstStyle/>
+          <a:p>
+            <a:pPr algn="ctr"/>
+            <a:endParaRPr lang="en-US"/>
+          </a:p>
+        </p:txBody>
+      </p:sp>
+    </p:spTree>
+    <p:extLst>
+      <p:ext uri="{BB962C8B-B14F-4D97-AF65-F5344CB8AC3E}">
+        <p14:creationId xmlns:p14="http://schemas.microsoft.com/office/powerpoint/2010/main" val="2472206942"/>
+      </p:ext>
+    </p:extLst>
+  </p:cSld>
+  <p:clrMapOvr>
+    <a:masterClrMapping/>
+  </p:clrMapOvr>
+</p:sld>
+</file>
+
+<file path=ppt/slides/slide21.xml><?xml version="1.0" encoding="utf-8"?>
+<p:sld xmlns:a="http://schemas.openxmlformats.org/drawingml/2006/main" xmlns:r="http://schemas.openxmlformats.org/officeDocument/2006/relationships" xmlns:p="http://schemas.openxmlformats.org/presentationml/2006/main">
+  <p:cSld>
+    <p:spTree>
+      <p:nvGrpSpPr>
+        <p:cNvPr id="1" name=""/>
+        <p:cNvGrpSpPr/>
+        <p:nvPr/>
+      </p:nvGrpSpPr>
+      <p:grpSpPr>
+        <a:xfrm>
+          <a:off x="0" y="0"/>
+          <a:ext cx="0" cy="0"/>
+          <a:chOff x="0" y="0"/>
+          <a:chExt cx="0" cy="0"/>
+        </a:xfrm>
+      </p:grpSpPr>
+      <p:sp>
+        <p:nvSpPr>
+          <p:cNvPr id="2" name="Title 1">
+            <a:extLst>
+              <a:ext uri="{FF2B5EF4-FFF2-40B4-BE49-F238E27FC236}">
+                <a16:creationId xmlns:a16="http://schemas.microsoft.com/office/drawing/2014/main" id="{13C1D89E-3C9A-4F44-A2FA-EE26A50DC96E}"/>
+              </a:ext>
+            </a:extLst>
+          </p:cNvPr>
+          <p:cNvSpPr>
+            <a:spLocks noGrp="1"/>
+          </p:cNvSpPr>
+          <p:nvPr>
+            <p:ph type="title"/>
+          </p:nvPr>
+        </p:nvSpPr>
+        <p:spPr/>
+        <p:txBody>
+          <a:bodyPr/>
+          <a:lstStyle/>
+          <a:p>
+            <a:endParaRPr lang="en-US"/>
+          </a:p>
+        </p:txBody>
+      </p:sp>
+      <p:sp>
+        <p:nvSpPr>
+          <p:cNvPr id="3" name="Content Placeholder 2">
+            <a:extLst>
+              <a:ext uri="{FF2B5EF4-FFF2-40B4-BE49-F238E27FC236}">
+                <a16:creationId xmlns:a16="http://schemas.microsoft.com/office/drawing/2014/main" id="{E0C5B103-8958-4721-83F3-44FF1E3451F6}"/>
+              </a:ext>
+            </a:extLst>
+          </p:cNvPr>
+          <p:cNvSpPr>
+            <a:spLocks noGrp="1"/>
+          </p:cNvSpPr>
+          <p:nvPr>
+            <p:ph sz="half" idx="1"/>
+          </p:nvPr>
+        </p:nvSpPr>
+        <p:spPr/>
+        <p:txBody>
+          <a:bodyPr/>
+          <a:lstStyle/>
+          <a:p>
+            <a:endParaRPr lang="en-US"/>
+          </a:p>
+        </p:txBody>
+      </p:sp>
+      <p:sp>
+        <p:nvSpPr>
+          <p:cNvPr id="4" name="Content Placeholder 3">
+            <a:extLst>
+              <a:ext uri="{FF2B5EF4-FFF2-40B4-BE49-F238E27FC236}">
+                <a16:creationId xmlns:a16="http://schemas.microsoft.com/office/drawing/2014/main" id="{E8758D6C-35CE-4955-A552-BB4C43E81D66}"/>
+              </a:ext>
+            </a:extLst>
+          </p:cNvPr>
+          <p:cNvSpPr>
+            <a:spLocks noGrp="1"/>
+          </p:cNvSpPr>
+          <p:nvPr>
+            <p:ph sz="half" idx="2"/>
+          </p:nvPr>
+        </p:nvSpPr>
+        <p:spPr/>
+        <p:txBody>
+          <a:bodyPr/>
+          <a:lstStyle/>
+          <a:p>
+            <a:endParaRPr lang="en-US"/>
+          </a:p>
+        </p:txBody>
+      </p:sp>
+    </p:spTree>
+    <p:extLst>
+      <p:ext uri="{BB962C8B-B14F-4D97-AF65-F5344CB8AC3E}">
+        <p14:creationId xmlns:p14="http://schemas.microsoft.com/office/powerpoint/2010/main" val="3022977516"/>
       </p:ext>
     </p:extLst>
   </p:cSld>
